--- a/Entregables/9 infraestructura con rest/Preguntas.pptx
+++ b/Entregables/9 infraestructura con rest/Preguntas.pptx
@@ -8664,7 +8664,7 @@
                 <a16:creationId xmlns:a16="http://schemas.microsoft.com/office/drawing/2014/main" id="{489B7BFD-8F45-4093-AD9C-91B15B0503D9}"/>
               </a:ext>
               <a:ext uri="{C183D7F6-B498-43B3-948B-1728B52AA6E4}">
-                <adec:decorative xmlns:adec="http://schemas.microsoft.com/office/drawing/2017/decorative" xmlns="" val="1"/>
+                <adec:decorative xmlns:adec="http://schemas.microsoft.com/office/drawing/2017/decorative" val="1"/>
               </a:ext>
             </a:extLst>
           </p:cNvPr>
@@ -8724,7 +8724,7 @@
                 <a16:creationId xmlns:a16="http://schemas.microsoft.com/office/drawing/2014/main" id="{042BC7E5-76DB-4826-8C07-4A49B6353F76}"/>
               </a:ext>
               <a:ext uri="{C183D7F6-B498-43B3-948B-1728B52AA6E4}">
-                <adec:decorative xmlns:adec="http://schemas.microsoft.com/office/drawing/2017/decorative" xmlns="" val="1"/>
+                <adec:decorative xmlns:adec="http://schemas.microsoft.com/office/drawing/2017/decorative" val="1"/>
               </a:ext>
             </a:extLst>
           </p:cNvPr>
@@ -8758,7 +8758,7 @@
                   <a16:creationId xmlns:a16="http://schemas.microsoft.com/office/drawing/2014/main" id="{E16C8D8F-10E9-4498-ABDB-0F923F8B6837}"/>
                 </a:ext>
                 <a:ext uri="{C183D7F6-B498-43B3-948B-1728B52AA6E4}">
-                  <adec:decorative xmlns:adec="http://schemas.microsoft.com/office/drawing/2017/decorative" xmlns="" val="1"/>
+                  <adec:decorative xmlns:adec="http://schemas.microsoft.com/office/drawing/2017/decorative" val="1"/>
                 </a:ext>
               </a:extLst>
             </p:cNvPr>
@@ -8959,7 +8959,7 @@
                   <a16:creationId xmlns:a16="http://schemas.microsoft.com/office/drawing/2014/main" id="{1E5A83E3-8A11-4492-BB6E-F5F2240316FB}"/>
                 </a:ext>
                 <a:ext uri="{C183D7F6-B498-43B3-948B-1728B52AA6E4}">
-                  <adec:decorative xmlns:adec="http://schemas.microsoft.com/office/drawing/2017/decorative" xmlns="" val="1"/>
+                  <adec:decorative xmlns:adec="http://schemas.microsoft.com/office/drawing/2017/decorative" val="1"/>
                 </a:ext>
               </a:extLst>
             </p:cNvPr>
@@ -9161,7 +9161,7 @@
                 <a16:creationId xmlns:a16="http://schemas.microsoft.com/office/drawing/2014/main" id="{498F8FF6-43B4-494A-AF8F-123A4983EDF7}"/>
               </a:ext>
               <a:ext uri="{C183D7F6-B498-43B3-948B-1728B52AA6E4}">
-                <adec:decorative xmlns:adec="http://schemas.microsoft.com/office/drawing/2017/decorative" xmlns="" val="1"/>
+                <adec:decorative xmlns:adec="http://schemas.microsoft.com/office/drawing/2017/decorative" val="1"/>
               </a:ext>
             </a:extLst>
           </p:cNvPr>
@@ -9299,7 +9299,7 @@
                 <a16:creationId xmlns:a16="http://schemas.microsoft.com/office/drawing/2014/main" id="{2B06059C-C357-4011-82B9-9C0106301384}"/>
               </a:ext>
               <a:ext uri="{C183D7F6-B498-43B3-948B-1728B52AA6E4}">
-                <adec:decorative xmlns:adec="http://schemas.microsoft.com/office/drawing/2017/decorative" xmlns="" val="1"/>
+                <adec:decorative xmlns:adec="http://schemas.microsoft.com/office/drawing/2017/decorative" val="1"/>
               </a:ext>
             </a:extLst>
           </p:cNvPr>
@@ -9441,7 +9441,7 @@
                 <a16:creationId xmlns:a16="http://schemas.microsoft.com/office/drawing/2014/main" id="{5AFEC601-A132-47EE-B0C2-B38ACD9FCE6F}"/>
               </a:ext>
               <a:ext uri="{C183D7F6-B498-43B3-948B-1728B52AA6E4}">
-                <adec:decorative xmlns:adec="http://schemas.microsoft.com/office/drawing/2017/decorative" xmlns="" val="1"/>
+                <adec:decorative xmlns:adec="http://schemas.microsoft.com/office/drawing/2017/decorative" val="1"/>
               </a:ext>
             </a:extLst>
           </p:cNvPr>
@@ -9700,7 +9700,7 @@
                 <a16:creationId xmlns:a16="http://schemas.microsoft.com/office/drawing/2014/main" id="{279CAF82-0ECF-42BE-8F37-F71941E5D410}"/>
               </a:ext>
               <a:ext uri="{C183D7F6-B498-43B3-948B-1728B52AA6E4}">
-                <adec:decorative xmlns:adec="http://schemas.microsoft.com/office/drawing/2017/decorative" xmlns="" val="1"/>
+                <adec:decorative xmlns:adec="http://schemas.microsoft.com/office/drawing/2017/decorative" val="1"/>
               </a:ext>
             </a:extLst>
           </p:cNvPr>
@@ -9882,7 +9882,7 @@
                 <a16:creationId xmlns:a16="http://schemas.microsoft.com/office/drawing/2014/main" id="{218E095B-4870-4AD5-9C41-C16D59523501}"/>
               </a:ext>
               <a:ext uri="{C183D7F6-B498-43B3-948B-1728B52AA6E4}">
-                <adec:decorative xmlns:adec="http://schemas.microsoft.com/office/drawing/2017/decorative" xmlns="" val="1"/>
+                <adec:decorative xmlns:adec="http://schemas.microsoft.com/office/drawing/2017/decorative" val="1"/>
               </a:ext>
             </a:extLst>
           </p:cNvPr>
@@ -10066,7 +10066,7 @@
                 <a16:creationId xmlns:a16="http://schemas.microsoft.com/office/drawing/2014/main" id="{FB9739EB-7F66-433D-841F-AB3CD18700B7}"/>
               </a:ext>
               <a:ext uri="{C183D7F6-B498-43B3-948B-1728B52AA6E4}">
-                <adec:decorative xmlns:adec="http://schemas.microsoft.com/office/drawing/2017/decorative" xmlns="" val="1"/>
+                <adec:decorative xmlns:adec="http://schemas.microsoft.com/office/drawing/2017/decorative" val="1"/>
               </a:ext>
             </a:extLst>
           </p:cNvPr>
@@ -10100,7 +10100,7 @@
                   <a16:creationId xmlns:a16="http://schemas.microsoft.com/office/drawing/2014/main" id="{104F2BBD-A005-4DCB-9566-F2351050BEE6}"/>
                 </a:ext>
                 <a:ext uri="{C183D7F6-B498-43B3-948B-1728B52AA6E4}">
-                  <adec:decorative xmlns:adec="http://schemas.microsoft.com/office/drawing/2017/decorative" xmlns="" val="1"/>
+                  <adec:decorative xmlns:adec="http://schemas.microsoft.com/office/drawing/2017/decorative" val="1"/>
                 </a:ext>
               </a:extLst>
             </p:cNvPr>
@@ -10187,7 +10187,7 @@
                   <a16:creationId xmlns:a16="http://schemas.microsoft.com/office/drawing/2014/main" id="{8B00DEC7-198B-49D1-98FD-018F3ECFCF4C}"/>
                 </a:ext>
                 <a:ext uri="{C183D7F6-B498-43B3-948B-1728B52AA6E4}">
-                  <adec:decorative xmlns:adec="http://schemas.microsoft.com/office/drawing/2017/decorative" xmlns="" val="1"/>
+                  <adec:decorative xmlns:adec="http://schemas.microsoft.com/office/drawing/2017/decorative" val="1"/>
                 </a:ext>
               </a:extLst>
             </p:cNvPr>
@@ -10274,7 +10274,7 @@
                   <a16:creationId xmlns:a16="http://schemas.microsoft.com/office/drawing/2014/main" id="{F14DFC82-B3B3-468E-91B3-1302CFC68468}"/>
                 </a:ext>
                 <a:ext uri="{C183D7F6-B498-43B3-948B-1728B52AA6E4}">
-                  <adec:decorative xmlns:adec="http://schemas.microsoft.com/office/drawing/2017/decorative" xmlns="" val="1"/>
+                  <adec:decorative xmlns:adec="http://schemas.microsoft.com/office/drawing/2017/decorative" val="1"/>
                 </a:ext>
               </a:extLst>
             </p:cNvPr>
@@ -10361,7 +10361,7 @@
                   <a16:creationId xmlns:a16="http://schemas.microsoft.com/office/drawing/2014/main" id="{D3250EFE-214E-4B8E-AF96-036A514FFB2D}"/>
                 </a:ext>
                 <a:ext uri="{C183D7F6-B498-43B3-948B-1728B52AA6E4}">
-                  <adec:decorative xmlns:adec="http://schemas.microsoft.com/office/drawing/2017/decorative" xmlns="" val="1"/>
+                  <adec:decorative xmlns:adec="http://schemas.microsoft.com/office/drawing/2017/decorative" val="1"/>
                 </a:ext>
               </a:extLst>
             </p:cNvPr>
@@ -10448,7 +10448,7 @@
                   <a16:creationId xmlns:a16="http://schemas.microsoft.com/office/drawing/2014/main" id="{AD058EBE-D4A5-4C43-B170-6A451F87A7B2}"/>
                 </a:ext>
                 <a:ext uri="{C183D7F6-B498-43B3-948B-1728B52AA6E4}">
-                  <adec:decorative xmlns:adec="http://schemas.microsoft.com/office/drawing/2017/decorative" xmlns="" val="1"/>
+                  <adec:decorative xmlns:adec="http://schemas.microsoft.com/office/drawing/2017/decorative" val="1"/>
                 </a:ext>
               </a:extLst>
             </p:cNvPr>
@@ -10536,7 +10536,7 @@
                 <a16:creationId xmlns:a16="http://schemas.microsoft.com/office/drawing/2014/main" id="{033BC44A-0661-43B4-9C14-FD5963C226AE}"/>
               </a:ext>
               <a:ext uri="{C183D7F6-B498-43B3-948B-1728B52AA6E4}">
-                <adec:decorative xmlns:adec="http://schemas.microsoft.com/office/drawing/2017/decorative" xmlns="" val="1"/>
+                <adec:decorative xmlns:adec="http://schemas.microsoft.com/office/drawing/2017/decorative" val="1"/>
               </a:ext>
             </a:extLst>
           </p:cNvPr>
@@ -10604,7 +10604,7 @@
                 <a16:creationId xmlns:a16="http://schemas.microsoft.com/office/drawing/2014/main" id="{BE8CB2F0-2F5A-4EBD-B214-E0309C31F578}"/>
               </a:ext>
               <a:ext uri="{C183D7F6-B498-43B3-948B-1728B52AA6E4}">
-                <adec:decorative xmlns:adec="http://schemas.microsoft.com/office/drawing/2017/decorative" xmlns="" val="1"/>
+                <adec:decorative xmlns:adec="http://schemas.microsoft.com/office/drawing/2017/decorative" val="1"/>
               </a:ext>
             </a:extLst>
           </p:cNvPr>
@@ -10676,7 +10676,7 @@
                 <a16:creationId xmlns:a16="http://schemas.microsoft.com/office/drawing/2014/main" id="{FFD3887D-244B-4EC4-9208-E304984C5D0F}"/>
               </a:ext>
               <a:ext uri="{C183D7F6-B498-43B3-948B-1728B52AA6E4}">
-                <adec:decorative xmlns:adec="http://schemas.microsoft.com/office/drawing/2017/decorative" xmlns="" val="1"/>
+                <adec:decorative xmlns:adec="http://schemas.microsoft.com/office/drawing/2017/decorative" val="1"/>
               </a:ext>
             </a:extLst>
           </p:cNvPr>
@@ -10825,7 +10825,7 @@
                 <a16:creationId xmlns:a16="http://schemas.microsoft.com/office/drawing/2014/main" id="{97224C31-855E-4593-8A58-5B2B0CC4F537}"/>
               </a:ext>
               <a:ext uri="{C183D7F6-B498-43B3-948B-1728B52AA6E4}">
-                <adec:decorative xmlns:adec="http://schemas.microsoft.com/office/drawing/2017/decorative" xmlns="" val="1"/>
+                <adec:decorative xmlns:adec="http://schemas.microsoft.com/office/drawing/2017/decorative" val="1"/>
               </a:ext>
             </a:extLst>
           </p:cNvPr>
@@ -11028,11 +11028,7 @@
           <a:p>
             <a:r>
               <a:rPr lang="es-CO" sz="3200" dirty="0"/>
-              <a:t>8</a:t>
-            </a:r>
-            <a:r>
-              <a:rPr lang="es-CO" sz="3200" dirty="0" smtClean="0"/>
-              <a:t>. </a:t>
+              <a:t>8. </a:t>
             </a:r>
             <a:r>
               <a:rPr lang="es-MX" sz="3200" dirty="0"/>
@@ -11065,10 +11061,9 @@
           <a:p>
             <a:pPr lvl="0"/>
             <a:r>
-              <a:rPr lang="es-CO" dirty="0" smtClean="0"/>
+              <a:rPr lang="es-CO" dirty="0"/>
               <a:t>La cantidad de clientes que se encuentran conectados en el servidor web en ese momento.</a:t>
             </a:r>
-            <a:endParaRPr lang="es-CO" dirty="0"/>
           </a:p>
           <a:p>
             <a:pPr>
@@ -11187,7 +11182,7 @@
           <a:lstStyle/>
           <a:p>
             <a:r>
-              <a:rPr lang="es-MX" sz="3200" dirty="0" smtClean="0"/>
+              <a:rPr lang="es-MX" sz="3200" dirty="0"/>
               <a:t>Propuesta Económica De Un Servidor Físico</a:t>
             </a:r>
             <a:endParaRPr lang="es-CO" sz="3200" dirty="0"/>
@@ -11332,21 +11327,8 @@
               <a:buNone/>
               <a:tabLst/>
             </a:pPr>
-            <a:r>
-              <a:rPr kumimoji="0" lang="es-CO" altLang="es-CO" sz="1800" b="0" i="0" u="none" strike="noStrike" cap="none" normalizeH="0" baseline="0" smtClean="0">
-                <a:ln>
-                  <a:noFill/>
-                </a:ln>
-                <a:solidFill>
-                  <a:schemeClr val="tx1"/>
-                </a:solidFill>
-                <a:effectLst/>
-                <a:latin typeface="Arial" panose="020B0604020202020204" pitchFamily="34" charset="0"/>
-              </a:rPr>
-              <a:t/>
-            </a:r>
             <a:br>
-              <a:rPr kumimoji="0" lang="es-CO" altLang="es-CO" sz="1800" b="0" i="0" u="none" strike="noStrike" cap="none" normalizeH="0" baseline="0" smtClean="0">
+              <a:rPr kumimoji="0" lang="es-CO" altLang="es-CO" sz="1800" b="0" i="0" u="none" strike="noStrike" cap="none" normalizeH="0" baseline="0">
                 <a:ln>
                   <a:noFill/>
                 </a:ln>
@@ -11357,7 +11339,7 @@
                 <a:latin typeface="Arial" panose="020B0604020202020204" pitchFamily="34" charset="0"/>
               </a:rPr>
             </a:br>
-            <a:endParaRPr kumimoji="0" lang="es-CO" altLang="es-CO" sz="1800" b="0" i="0" u="none" strike="noStrike" cap="none" normalizeH="0" baseline="0" smtClean="0">
+            <a:endParaRPr kumimoji="0" lang="es-CO" altLang="es-CO" sz="1800" b="0" i="0" u="none" strike="noStrike" cap="none" normalizeH="0" baseline="0">
               <a:ln>
                 <a:noFill/>
               </a:ln>
@@ -11385,7 +11367,7 @@
               <a:buNone/>
               <a:tabLst/>
             </a:pPr>
-            <a:endParaRPr kumimoji="0" lang="es-CO" altLang="es-CO" sz="1800" b="0" i="0" u="none" strike="noStrike" cap="none" normalizeH="0" baseline="0" smtClean="0">
+            <a:endParaRPr kumimoji="0" lang="es-CO" altLang="es-CO" sz="1800" b="0" i="0" u="none" strike="noStrike" cap="none" normalizeH="0" baseline="0">
               <a:ln>
                 <a:noFill/>
               </a:ln>
@@ -11473,7 +11455,7 @@
               <a:buNone/>
               <a:tabLst/>
             </a:pPr>
-            <a:endParaRPr kumimoji="0" lang="es-CO" altLang="es-CO" sz="1800" b="0" i="0" u="none" strike="noStrike" cap="none" normalizeH="0" baseline="0" smtClean="0">
+            <a:endParaRPr kumimoji="0" lang="es-CO" altLang="es-CO" sz="1800" b="0" i="0" u="none" strike="noStrike" cap="none" normalizeH="0" baseline="0">
               <a:ln>
                 <a:noFill/>
               </a:ln>
@@ -11501,7 +11483,7 @@
               <a:buNone/>
               <a:tabLst/>
             </a:pPr>
-            <a:endParaRPr kumimoji="0" lang="es-CO" altLang="es-CO" sz="1800" b="0" i="0" u="none" strike="noStrike" cap="none" normalizeH="0" baseline="0" smtClean="0">
+            <a:endParaRPr kumimoji="0" lang="es-CO" altLang="es-CO" sz="1800" b="0" i="0" u="none" strike="noStrike" cap="none" normalizeH="0" baseline="0">
               <a:ln>
                 <a:noFill/>
               </a:ln>
@@ -11660,7 +11642,7 @@
           <a:lstStyle/>
           <a:p>
             <a:r>
-              <a:rPr lang="es-MX" sz="3200" dirty="0" smtClean="0"/>
+              <a:rPr lang="es-MX" sz="3200" dirty="0"/>
               <a:t>Propuesta Económica De Un Servidor Físico</a:t>
             </a:r>
             <a:endParaRPr lang="es-CO" sz="3200" dirty="0"/>
@@ -11805,21 +11787,8 @@
               <a:buNone/>
               <a:tabLst/>
             </a:pPr>
-            <a:r>
-              <a:rPr kumimoji="0" lang="es-CO" altLang="es-CO" sz="1800" b="0" i="0" u="none" strike="noStrike" cap="none" normalizeH="0" baseline="0" smtClean="0">
-                <a:ln>
-                  <a:noFill/>
-                </a:ln>
-                <a:solidFill>
-                  <a:schemeClr val="tx1"/>
-                </a:solidFill>
-                <a:effectLst/>
-                <a:latin typeface="Arial" panose="020B0604020202020204" pitchFamily="34" charset="0"/>
-              </a:rPr>
-              <a:t/>
-            </a:r>
             <a:br>
-              <a:rPr kumimoji="0" lang="es-CO" altLang="es-CO" sz="1800" b="0" i="0" u="none" strike="noStrike" cap="none" normalizeH="0" baseline="0" smtClean="0">
+              <a:rPr kumimoji="0" lang="es-CO" altLang="es-CO" sz="1800" b="0" i="0" u="none" strike="noStrike" cap="none" normalizeH="0" baseline="0">
                 <a:ln>
                   <a:noFill/>
                 </a:ln>
@@ -11830,7 +11799,7 @@
                 <a:latin typeface="Arial" panose="020B0604020202020204" pitchFamily="34" charset="0"/>
               </a:rPr>
             </a:br>
-            <a:endParaRPr kumimoji="0" lang="es-CO" altLang="es-CO" sz="1800" b="0" i="0" u="none" strike="noStrike" cap="none" normalizeH="0" baseline="0" smtClean="0">
+            <a:endParaRPr kumimoji="0" lang="es-CO" altLang="es-CO" sz="1800" b="0" i="0" u="none" strike="noStrike" cap="none" normalizeH="0" baseline="0">
               <a:ln>
                 <a:noFill/>
               </a:ln>
@@ -11858,7 +11827,7 @@
               <a:buNone/>
               <a:tabLst/>
             </a:pPr>
-            <a:endParaRPr kumimoji="0" lang="es-CO" altLang="es-CO" sz="1800" b="0" i="0" u="none" strike="noStrike" cap="none" normalizeH="0" baseline="0" smtClean="0">
+            <a:endParaRPr kumimoji="0" lang="es-CO" altLang="es-CO" sz="1800" b="0" i="0" u="none" strike="noStrike" cap="none" normalizeH="0" baseline="0">
               <a:ln>
                 <a:noFill/>
               </a:ln>
@@ -11946,7 +11915,7 @@
               <a:buNone/>
               <a:tabLst/>
             </a:pPr>
-            <a:endParaRPr kumimoji="0" lang="es-CO" altLang="es-CO" sz="1800" b="0" i="0" u="none" strike="noStrike" cap="none" normalizeH="0" baseline="0" smtClean="0">
+            <a:endParaRPr kumimoji="0" lang="es-CO" altLang="es-CO" sz="1800" b="0" i="0" u="none" strike="noStrike" cap="none" normalizeH="0" baseline="0">
               <a:ln>
                 <a:noFill/>
               </a:ln>
@@ -11974,7 +11943,7 @@
               <a:buNone/>
               <a:tabLst/>
             </a:pPr>
-            <a:endParaRPr kumimoji="0" lang="es-CO" altLang="es-CO" sz="1800" b="0" i="0" u="none" strike="noStrike" cap="none" normalizeH="0" baseline="0" smtClean="0">
+            <a:endParaRPr kumimoji="0" lang="es-CO" altLang="es-CO" sz="1800" b="0" i="0" u="none" strike="noStrike" cap="none" normalizeH="0" baseline="0">
               <a:ln>
                 <a:noFill/>
               </a:ln>
@@ -12133,7 +12102,7 @@
           <a:lstStyle/>
           <a:p>
             <a:r>
-              <a:rPr lang="es-MX" sz="3200" dirty="0" smtClean="0"/>
+              <a:rPr lang="es-MX" sz="3200" dirty="0"/>
               <a:t>Propuesta Económica De Un Servidor Físico</a:t>
             </a:r>
             <a:endParaRPr lang="es-CO" sz="3200" dirty="0"/>
@@ -12278,21 +12247,8 @@
               <a:buNone/>
               <a:tabLst/>
             </a:pPr>
-            <a:r>
-              <a:rPr kumimoji="0" lang="es-CO" altLang="es-CO" sz="1800" b="0" i="0" u="none" strike="noStrike" cap="none" normalizeH="0" baseline="0" smtClean="0">
-                <a:ln>
-                  <a:noFill/>
-                </a:ln>
-                <a:solidFill>
-                  <a:schemeClr val="tx1"/>
-                </a:solidFill>
-                <a:effectLst/>
-                <a:latin typeface="Arial" panose="020B0604020202020204" pitchFamily="34" charset="0"/>
-              </a:rPr>
-              <a:t/>
-            </a:r>
             <a:br>
-              <a:rPr kumimoji="0" lang="es-CO" altLang="es-CO" sz="1800" b="0" i="0" u="none" strike="noStrike" cap="none" normalizeH="0" baseline="0" smtClean="0">
+              <a:rPr kumimoji="0" lang="es-CO" altLang="es-CO" sz="1800" b="0" i="0" u="none" strike="noStrike" cap="none" normalizeH="0" baseline="0">
                 <a:ln>
                   <a:noFill/>
                 </a:ln>
@@ -12303,7 +12259,7 @@
                 <a:latin typeface="Arial" panose="020B0604020202020204" pitchFamily="34" charset="0"/>
               </a:rPr>
             </a:br>
-            <a:endParaRPr kumimoji="0" lang="es-CO" altLang="es-CO" sz="1800" b="0" i="0" u="none" strike="noStrike" cap="none" normalizeH="0" baseline="0" smtClean="0">
+            <a:endParaRPr kumimoji="0" lang="es-CO" altLang="es-CO" sz="1800" b="0" i="0" u="none" strike="noStrike" cap="none" normalizeH="0" baseline="0">
               <a:ln>
                 <a:noFill/>
               </a:ln>
@@ -12331,7 +12287,7 @@
               <a:buNone/>
               <a:tabLst/>
             </a:pPr>
-            <a:endParaRPr kumimoji="0" lang="es-CO" altLang="es-CO" sz="1800" b="0" i="0" u="none" strike="noStrike" cap="none" normalizeH="0" baseline="0" smtClean="0">
+            <a:endParaRPr kumimoji="0" lang="es-CO" altLang="es-CO" sz="1800" b="0" i="0" u="none" strike="noStrike" cap="none" normalizeH="0" baseline="0">
               <a:ln>
                 <a:noFill/>
               </a:ln>
@@ -12419,7 +12375,7 @@
               <a:buNone/>
               <a:tabLst/>
             </a:pPr>
-            <a:endParaRPr kumimoji="0" lang="es-CO" altLang="es-CO" sz="1800" b="0" i="0" u="none" strike="noStrike" cap="none" normalizeH="0" baseline="0" smtClean="0">
+            <a:endParaRPr kumimoji="0" lang="es-CO" altLang="es-CO" sz="1800" b="0" i="0" u="none" strike="noStrike" cap="none" normalizeH="0" baseline="0">
               <a:ln>
                 <a:noFill/>
               </a:ln>
@@ -12447,7 +12403,7 @@
               <a:buNone/>
               <a:tabLst/>
             </a:pPr>
-            <a:endParaRPr kumimoji="0" lang="es-CO" altLang="es-CO" sz="1800" b="0" i="0" u="none" strike="noStrike" cap="none" normalizeH="0" baseline="0" smtClean="0">
+            <a:endParaRPr kumimoji="0" lang="es-CO" altLang="es-CO" sz="1800" b="0" i="0" u="none" strike="noStrike" cap="none" normalizeH="0" baseline="0">
               <a:ln>
                 <a:noFill/>
               </a:ln>
@@ -12606,7 +12562,7 @@
           <a:lstStyle/>
           <a:p>
             <a:r>
-              <a:rPr lang="es-MX" sz="3200" dirty="0" smtClean="0"/>
+              <a:rPr lang="es-MX" sz="3200" dirty="0"/>
               <a:t>Propuesta Económica De Un Servicio En La Nube</a:t>
             </a:r>
             <a:endParaRPr lang="es-CO" sz="3200" dirty="0"/>
@@ -12707,7 +12663,7 @@
               <a:tabLst/>
             </a:pPr>
             <a:r>
-              <a:rPr kumimoji="0" lang="es-CO" altLang="es-CO" sz="1100" b="0" i="0" u="none" strike="noStrike" cap="none" normalizeH="0" baseline="0" smtClean="0">
+              <a:rPr kumimoji="0" lang="es-CO" altLang="es-CO" sz="1100" b="0" i="0" u="none" strike="noStrike" cap="none" normalizeH="0" baseline="0">
                 <a:ln>
                   <a:noFill/>
                 </a:ln>
@@ -12721,7 +12677,7 @@
               </a:rPr>
               <a:t>Oracle Database alojado en la nube</a:t>
             </a:r>
-            <a:endParaRPr kumimoji="0" lang="es-CO" altLang="es-CO" sz="1100" b="0" i="0" u="none" strike="noStrike" cap="none" normalizeH="0" baseline="0" smtClean="0">
+            <a:endParaRPr kumimoji="0" lang="es-CO" altLang="es-CO" sz="1100" b="0" i="0" u="none" strike="noStrike" cap="none" normalizeH="0" baseline="0">
               <a:ln>
                 <a:noFill/>
               </a:ln>
@@ -12749,7 +12705,7 @@
               <a:tabLst/>
             </a:pPr>
             <a:r>
-              <a:rPr kumimoji="0" lang="es-CO" altLang="es-CO" sz="1100" b="0" i="0" u="none" strike="noStrike" cap="none" normalizeH="0" baseline="0" smtClean="0">
+              <a:rPr kumimoji="0" lang="es-CO" altLang="es-CO" sz="1100" b="0" i="0" u="none" strike="noStrike" cap="none" normalizeH="0" baseline="0">
                 <a:ln>
                   <a:noFill/>
                 </a:ln>
@@ -12764,7 +12720,7 @@
               <a:t> </a:t>
             </a:r>
             <a:r>
-              <a:rPr kumimoji="0" lang="es-CO" altLang="es-CO" sz="1800" b="0" i="0" u="none" strike="noStrike" cap="none" normalizeH="0" baseline="0" smtClean="0">
+              <a:rPr kumimoji="0" lang="es-CO" altLang="es-CO" sz="1800" b="0" i="0" u="none" strike="noStrike" cap="none" normalizeH="0" baseline="0">
                 <a:ln>
                   <a:noFill/>
                 </a:ln>
@@ -12778,7 +12734,7 @@
               </a:rPr>
               <a:t>(5,300 USA (Dólar) Mes.</a:t>
             </a:r>
-            <a:endParaRPr kumimoji="0" lang="es-CO" altLang="es-CO" sz="1800" b="0" i="0" u="none" strike="noStrike" cap="none" normalizeH="0" baseline="0" smtClean="0">
+            <a:endParaRPr kumimoji="0" lang="es-CO" altLang="es-CO" sz="1800" b="0" i="0" u="none" strike="noStrike" cap="none" normalizeH="0" baseline="0">
               <a:ln>
                 <a:noFill/>
               </a:ln>
@@ -13033,7 +12989,7 @@
               </a:tabLst>
             </a:pPr>
             <a:r>
-              <a:rPr kumimoji="0" lang="es-CO" altLang="es-CO" sz="1400" b="1" i="0" u="none" strike="noStrike" cap="none" normalizeH="0" baseline="0" smtClean="0">
+              <a:rPr kumimoji="0" lang="es-CO" altLang="es-CO" sz="1400" b="1" i="0" u="none" strike="noStrike" cap="none" normalizeH="0" baseline="0">
                 <a:ln>
                   <a:noFill/>
                 </a:ln>
@@ -13047,7 +13003,7 @@
               </a:rPr>
               <a:t>	Servidor Front-End</a:t>
             </a:r>
-            <a:endParaRPr kumimoji="0" lang="es-CO" altLang="es-CO" sz="1100" b="0" i="0" u="none" strike="noStrike" cap="none" normalizeH="0" baseline="0" smtClean="0">
+            <a:endParaRPr kumimoji="0" lang="es-CO" altLang="es-CO" sz="1100" b="0" i="0" u="none" strike="noStrike" cap="none" normalizeH="0" baseline="0">
               <a:ln>
                 <a:noFill/>
               </a:ln>
@@ -13077,7 +13033,7 @@
               </a:tabLst>
             </a:pPr>
             <a:r>
-              <a:rPr kumimoji="0" lang="es-CO" altLang="es-CO" sz="1200" b="1" i="0" u="none" strike="noStrike" cap="none" normalizeH="0" baseline="0" smtClean="0">
+              <a:rPr kumimoji="0" lang="es-CO" altLang="es-CO" sz="1200" b="1" i="0" u="none" strike="noStrike" cap="none" normalizeH="0" baseline="0">
                 <a:ln>
                   <a:noFill/>
                 </a:ln>
@@ -13092,7 +13048,7 @@
               <a:t>Validación</a:t>
             </a:r>
             <a:r>
-              <a:rPr kumimoji="0" lang="es-CO" altLang="es-CO" sz="1200" b="0" i="0" u="none" strike="noStrike" cap="none" normalizeH="0" baseline="0" smtClean="0">
+              <a:rPr kumimoji="0" lang="es-CO" altLang="es-CO" sz="1200" b="0" i="0" u="none" strike="noStrike" cap="none" normalizeH="0" baseline="0">
                 <a:ln>
                   <a:noFill/>
                 </a:ln>
@@ -13106,7 +13062,7 @@
               </a:rPr>
               <a:t> de dominio</a:t>
             </a:r>
-            <a:endParaRPr kumimoji="0" lang="es-CO" altLang="es-CO" sz="1100" b="0" i="0" u="none" strike="noStrike" cap="none" normalizeH="0" baseline="0" smtClean="0">
+            <a:endParaRPr kumimoji="0" lang="es-CO" altLang="es-CO" sz="1100" b="0" i="0" u="none" strike="noStrike" cap="none" normalizeH="0" baseline="0">
               <a:ln>
                 <a:noFill/>
               </a:ln>
@@ -13136,7 +13092,7 @@
               </a:tabLst>
             </a:pPr>
             <a:r>
-              <a:rPr kumimoji="0" lang="es-CO" altLang="es-CO" sz="1200" b="1" i="0" u="none" strike="noStrike" cap="none" normalizeH="0" baseline="0" smtClean="0">
+              <a:rPr kumimoji="0" lang="es-CO" altLang="es-CO" sz="1200" b="1" i="0" u="none" strike="noStrike" cap="none" normalizeH="0" baseline="0">
                 <a:ln>
                   <a:noFill/>
                 </a:ln>
@@ -13151,7 +13107,7 @@
               <a:t>1</a:t>
             </a:r>
             <a:r>
-              <a:rPr kumimoji="0" lang="es-CO" altLang="es-CO" sz="1200" b="0" i="0" u="none" strike="noStrike" cap="none" normalizeH="0" baseline="0" smtClean="0">
+              <a:rPr kumimoji="0" lang="es-CO" altLang="es-CO" sz="1200" b="0" i="0" u="none" strike="noStrike" cap="none" normalizeH="0" baseline="0">
                 <a:ln>
                   <a:noFill/>
                 </a:ln>
@@ -13165,7 +13121,7 @@
               </a:rPr>
               <a:t> dominio o subdominio</a:t>
             </a:r>
-            <a:endParaRPr kumimoji="0" lang="es-CO" altLang="es-CO" sz="1100" b="0" i="0" u="none" strike="noStrike" cap="none" normalizeH="0" baseline="0" smtClean="0">
+            <a:endParaRPr kumimoji="0" lang="es-CO" altLang="es-CO" sz="1100" b="0" i="0" u="none" strike="noStrike" cap="none" normalizeH="0" baseline="0">
               <a:ln>
                 <a:noFill/>
               </a:ln>
@@ -13195,7 +13151,7 @@
               </a:tabLst>
             </a:pPr>
             <a:r>
-              <a:rPr kumimoji="0" lang="es-CO" altLang="es-CO" sz="1200" b="1" i="0" u="none" strike="noStrike" cap="none" normalizeH="0" baseline="0" smtClean="0">
+              <a:rPr kumimoji="0" lang="es-CO" altLang="es-CO" sz="1200" b="1" i="0" u="none" strike="noStrike" cap="none" normalizeH="0" baseline="0">
                 <a:ln>
                   <a:noFill/>
                 </a:ln>
@@ -13210,7 +13166,7 @@
               <a:t>$10.000</a:t>
             </a:r>
             <a:r>
-              <a:rPr kumimoji="0" lang="es-CO" altLang="es-CO" sz="1200" b="0" i="0" u="none" strike="noStrike" cap="none" normalizeH="0" baseline="0" smtClean="0">
+              <a:rPr kumimoji="0" lang="es-CO" altLang="es-CO" sz="1200" b="0" i="0" u="none" strike="noStrike" cap="none" normalizeH="0" baseline="0">
                 <a:ln>
                   <a:noFill/>
                 </a:ln>
@@ -13224,7 +13180,7 @@
               </a:rPr>
               <a:t> dólares de garantía</a:t>
             </a:r>
-            <a:endParaRPr kumimoji="0" lang="es-CO" altLang="es-CO" sz="1100" b="0" i="0" u="none" strike="noStrike" cap="none" normalizeH="0" baseline="0" smtClean="0">
+            <a:endParaRPr kumimoji="0" lang="es-CO" altLang="es-CO" sz="1100" b="0" i="0" u="none" strike="noStrike" cap="none" normalizeH="0" baseline="0">
               <a:ln>
                 <a:noFill/>
               </a:ln>
@@ -13254,7 +13210,7 @@
               </a:tabLst>
             </a:pPr>
             <a:r>
-              <a:rPr kumimoji="0" lang="es-CO" altLang="es-CO" sz="1200" b="1" i="0" u="none" strike="noStrike" cap="none" normalizeH="0" baseline="0" smtClean="0">
+              <a:rPr kumimoji="0" lang="es-CO" altLang="es-CO" sz="1200" b="1" i="0" u="none" strike="noStrike" cap="none" normalizeH="0" baseline="0">
                 <a:ln>
                   <a:noFill/>
                 </a:ln>
@@ -13269,7 +13225,7 @@
               <a:t>Sello de confianza</a:t>
             </a:r>
             <a:r>
-              <a:rPr kumimoji="0" lang="es-CO" altLang="es-CO" sz="1200" b="0" i="0" u="none" strike="noStrike" cap="none" normalizeH="0" baseline="0" smtClean="0">
+              <a:rPr kumimoji="0" lang="es-CO" altLang="es-CO" sz="1200" b="0" i="0" u="none" strike="noStrike" cap="none" normalizeH="0" baseline="0">
                 <a:ln>
                   <a:noFill/>
                 </a:ln>
@@ -13283,7 +13239,7 @@
               </a:rPr>
               <a:t> gratuito</a:t>
             </a:r>
-            <a:endParaRPr kumimoji="0" lang="es-CO" altLang="es-CO" sz="1100" b="0" i="0" u="none" strike="noStrike" cap="none" normalizeH="0" baseline="0" smtClean="0">
+            <a:endParaRPr kumimoji="0" lang="es-CO" altLang="es-CO" sz="1100" b="0" i="0" u="none" strike="noStrike" cap="none" normalizeH="0" baseline="0">
               <a:ln>
                 <a:noFill/>
               </a:ln>
@@ -13313,7 +13269,7 @@
               </a:tabLst>
             </a:pPr>
             <a:r>
-              <a:rPr kumimoji="0" lang="es-CO" altLang="es-CO" sz="1200" b="1" i="0" u="none" strike="noStrike" cap="none" normalizeH="0" baseline="0" smtClean="0">
+              <a:rPr kumimoji="0" lang="es-CO" altLang="es-CO" sz="1200" b="1" i="0" u="none" strike="noStrike" cap="none" normalizeH="0" baseline="0">
                 <a:ln>
                   <a:noFill/>
                 </a:ln>
@@ -13328,7 +13284,7 @@
               <a:t>128/256 bits</a:t>
             </a:r>
             <a:r>
-              <a:rPr kumimoji="0" lang="es-CO" altLang="es-CO" sz="1200" b="0" i="0" u="none" strike="noStrike" cap="none" normalizeH="0" baseline="0" smtClean="0">
+              <a:rPr kumimoji="0" lang="es-CO" altLang="es-CO" sz="1200" b="0" i="0" u="none" strike="noStrike" cap="none" normalizeH="0" baseline="0">
                 <a:ln>
                   <a:noFill/>
                 </a:ln>
@@ -13342,7 +13298,7 @@
               </a:rPr>
               <a:t> de encriptación</a:t>
             </a:r>
-            <a:endParaRPr kumimoji="0" lang="es-CO" altLang="es-CO" sz="1100" b="0" i="0" u="none" strike="noStrike" cap="none" normalizeH="0" baseline="0" smtClean="0">
+            <a:endParaRPr kumimoji="0" lang="es-CO" altLang="es-CO" sz="1100" b="0" i="0" u="none" strike="noStrike" cap="none" normalizeH="0" baseline="0">
               <a:ln>
                 <a:noFill/>
               </a:ln>
@@ -13372,7 +13328,7 @@
               </a:tabLst>
             </a:pPr>
             <a:r>
-              <a:rPr kumimoji="0" lang="es-CO" altLang="es-CO" sz="1200" b="1" i="0" u="none" strike="noStrike" cap="none" normalizeH="0" baseline="0" smtClean="0">
+              <a:rPr kumimoji="0" lang="es-CO" altLang="es-CO" sz="1200" b="1" i="0" u="none" strike="noStrike" cap="none" normalizeH="0" baseline="0">
                 <a:ln>
                   <a:noFill/>
                 </a:ln>
@@ -13387,7 +13343,7 @@
               <a:t>Clave</a:t>
             </a:r>
             <a:r>
-              <a:rPr kumimoji="0" lang="es-CO" altLang="es-CO" sz="1200" b="0" i="0" u="none" strike="noStrike" cap="none" normalizeH="0" baseline="0" smtClean="0">
+              <a:rPr kumimoji="0" lang="es-CO" altLang="es-CO" sz="1200" b="0" i="0" u="none" strike="noStrike" cap="none" normalizeH="0" baseline="0">
                 <a:ln>
                   <a:noFill/>
                 </a:ln>
@@ -13401,7 +13357,7 @@
               </a:rPr>
               <a:t> de 2048 bits</a:t>
             </a:r>
-            <a:endParaRPr kumimoji="0" lang="es-CO" altLang="es-CO" sz="1100" b="0" i="0" u="none" strike="noStrike" cap="none" normalizeH="0" baseline="0" smtClean="0">
+            <a:endParaRPr kumimoji="0" lang="es-CO" altLang="es-CO" sz="1100" b="0" i="0" u="none" strike="noStrike" cap="none" normalizeH="0" baseline="0">
               <a:ln>
                 <a:noFill/>
               </a:ln>
@@ -13431,7 +13387,7 @@
               </a:tabLst>
             </a:pPr>
             <a:r>
-              <a:rPr kumimoji="0" lang="es-CO" altLang="es-CO" sz="1200" b="1" i="0" u="none" strike="noStrike" cap="none" normalizeH="0" baseline="0" smtClean="0">
+              <a:rPr kumimoji="0" lang="es-CO" altLang="es-CO" sz="1200" b="1" i="0" u="none" strike="noStrike" cap="none" normalizeH="0" baseline="0">
                 <a:ln>
                   <a:noFill/>
                 </a:ln>
@@ -13446,7 +13402,7 @@
               <a:t>Cambios</a:t>
             </a:r>
             <a:r>
-              <a:rPr kumimoji="0" lang="es-CO" altLang="es-CO" sz="1200" b="0" i="0" u="none" strike="noStrike" cap="none" normalizeH="0" baseline="0" smtClean="0">
+              <a:rPr kumimoji="0" lang="es-CO" altLang="es-CO" sz="1200" b="0" i="0" u="none" strike="noStrike" cap="none" normalizeH="0" baseline="0">
                 <a:ln>
                   <a:noFill/>
                 </a:ln>
@@ -13460,7 +13416,7 @@
               </a:rPr>
               <a:t> ilimitados</a:t>
             </a:r>
-            <a:endParaRPr kumimoji="0" lang="es-CO" altLang="es-CO" sz="1100" b="0" i="0" u="none" strike="noStrike" cap="none" normalizeH="0" baseline="0" smtClean="0">
+            <a:endParaRPr kumimoji="0" lang="es-CO" altLang="es-CO" sz="1100" b="0" i="0" u="none" strike="noStrike" cap="none" normalizeH="0" baseline="0">
               <a:ln>
                 <a:noFill/>
               </a:ln>
@@ -13490,7 +13446,7 @@
               </a:tabLst>
             </a:pPr>
             <a:r>
-              <a:rPr kumimoji="0" lang="es-CO" altLang="es-CO" sz="1200" b="1" i="0" u="none" strike="noStrike" cap="none" normalizeH="0" baseline="0" smtClean="0">
+              <a:rPr kumimoji="0" lang="es-CO" altLang="es-CO" sz="1200" b="1" i="0" u="none" strike="noStrike" cap="none" normalizeH="0" baseline="0">
                 <a:ln>
                   <a:noFill/>
                 </a:ln>
@@ -13505,7 +13461,7 @@
               <a:t>10 min</a:t>
             </a:r>
             <a:r>
-              <a:rPr kumimoji="0" lang="es-CO" altLang="es-CO" sz="1200" b="0" i="0" u="none" strike="noStrike" cap="none" normalizeH="0" baseline="0" smtClean="0">
+              <a:rPr kumimoji="0" lang="es-CO" altLang="es-CO" sz="1200" b="0" i="0" u="none" strike="noStrike" cap="none" normalizeH="0" baseline="0">
                 <a:ln>
                   <a:noFill/>
                 </a:ln>
@@ -13519,7 +13475,7 @@
               </a:rPr>
               <a:t> tiempo de emisión</a:t>
             </a:r>
-            <a:endParaRPr kumimoji="0" lang="es-CO" altLang="es-CO" sz="1100" b="0" i="0" u="none" strike="noStrike" cap="none" normalizeH="0" baseline="0" smtClean="0">
+            <a:endParaRPr kumimoji="0" lang="es-CO" altLang="es-CO" sz="1100" b="0" i="0" u="none" strike="noStrike" cap="none" normalizeH="0" baseline="0">
               <a:ln>
                 <a:noFill/>
               </a:ln>
@@ -13549,7 +13505,7 @@
               </a:tabLst>
             </a:pPr>
             <a:r>
-              <a:rPr kumimoji="0" lang="es-CO" altLang="es-CO" sz="1200" b="1" i="0" u="none" strike="noStrike" cap="none" normalizeH="0" baseline="0" smtClean="0">
+              <a:rPr kumimoji="0" lang="es-CO" altLang="es-CO" sz="1200" b="1" i="0" u="none" strike="noStrike" cap="none" normalizeH="0" baseline="0">
                 <a:ln>
                   <a:noFill/>
                 </a:ln>
@@ -13564,7 +13520,7 @@
               <a:t>Asegura ambos</a:t>
             </a:r>
             <a:r>
-              <a:rPr kumimoji="0" lang="es-CO" altLang="es-CO" sz="1200" b="0" i="0" u="none" strike="noStrike" cap="none" normalizeH="0" baseline="0" smtClean="0">
+              <a:rPr kumimoji="0" lang="es-CO" altLang="es-CO" sz="1200" b="0" i="0" u="none" strike="noStrike" cap="none" normalizeH="0" baseline="0">
                 <a:ln>
                   <a:noFill/>
                 </a:ln>
@@ -13578,7 +13534,7 @@
               </a:rPr>
               <a:t> www y no-www</a:t>
             </a:r>
-            <a:endParaRPr kumimoji="0" lang="es-CO" altLang="es-CO" sz="1100" b="0" i="0" u="none" strike="noStrike" cap="none" normalizeH="0" baseline="0" smtClean="0">
+            <a:endParaRPr kumimoji="0" lang="es-CO" altLang="es-CO" sz="1100" b="0" i="0" u="none" strike="noStrike" cap="none" normalizeH="0" baseline="0">
               <a:ln>
                 <a:noFill/>
               </a:ln>
@@ -13608,7 +13564,7 @@
               </a:tabLst>
             </a:pPr>
             <a:r>
-              <a:rPr kumimoji="0" lang="es-CO" altLang="es-CO" sz="1200" b="1" i="0" u="none" strike="noStrike" cap="none" normalizeH="0" baseline="0" smtClean="0">
+              <a:rPr kumimoji="0" lang="es-CO" altLang="es-CO" sz="1200" b="1" i="0" u="none" strike="noStrike" cap="none" normalizeH="0" baseline="0">
                 <a:ln>
                   <a:noFill/>
                 </a:ln>
@@ -13622,7 +13578,7 @@
               </a:rPr>
               <a:t>Tramitación online</a:t>
             </a:r>
-            <a:endParaRPr kumimoji="0" lang="es-CO" altLang="es-CO" sz="1100" b="0" i="0" u="none" strike="noStrike" cap="none" normalizeH="0" baseline="0" smtClean="0">
+            <a:endParaRPr kumimoji="0" lang="es-CO" altLang="es-CO" sz="1100" b="0" i="0" u="none" strike="noStrike" cap="none" normalizeH="0" baseline="0">
               <a:ln>
                 <a:noFill/>
               </a:ln>
@@ -13652,7 +13608,7 @@
               </a:tabLst>
             </a:pPr>
             <a:r>
-              <a:rPr kumimoji="0" lang="es-CO" altLang="es-CO" sz="1800" b="0" i="0" u="none" strike="noStrike" cap="none" normalizeH="0" baseline="0" smtClean="0">
+              <a:rPr kumimoji="0" lang="es-CO" altLang="es-CO" sz="1800" b="0" i="0" u="none" strike="noStrike" cap="none" normalizeH="0" baseline="0">
                 <a:ln>
                   <a:noFill/>
                 </a:ln>
@@ -13666,7 +13622,7 @@
               </a:rPr>
               <a:t>    $65,000 COP Mes.</a:t>
             </a:r>
-            <a:endParaRPr kumimoji="0" lang="es-CO" altLang="es-CO" sz="1100" b="0" i="0" u="none" strike="noStrike" cap="none" normalizeH="0" baseline="0" smtClean="0">
+            <a:endParaRPr kumimoji="0" lang="es-CO" altLang="es-CO" sz="1100" b="0" i="0" u="none" strike="noStrike" cap="none" normalizeH="0" baseline="0">
               <a:ln>
                 <a:noFill/>
               </a:ln>
@@ -13695,7 +13651,7 @@
                 <a:tab pos="457200" algn="l"/>
               </a:tabLst>
             </a:pPr>
-            <a:endParaRPr kumimoji="0" lang="es-CO" altLang="es-CO" sz="1800" b="0" i="0" u="none" strike="noStrike" cap="none" normalizeH="0" baseline="0" smtClean="0">
+            <a:endParaRPr kumimoji="0" lang="es-CO" altLang="es-CO" sz="1800" b="0" i="0" u="none" strike="noStrike" cap="none" normalizeH="0" baseline="0">
               <a:ln>
                 <a:noFill/>
               </a:ln>
@@ -13761,7 +13717,7 @@
               <a:tabLst/>
             </a:pPr>
             <a:r>
-              <a:rPr kumimoji="0" lang="es-CO" altLang="es-CO" sz="1400" b="0" i="0" u="none" strike="noStrike" cap="none" normalizeH="0" baseline="0" smtClean="0">
+              <a:rPr kumimoji="0" lang="es-CO" altLang="es-CO" sz="1400" b="0" i="0" u="none" strike="noStrike" cap="none" normalizeH="0" baseline="0">
                 <a:ln>
                   <a:noFill/>
                 </a:ln>
@@ -13775,7 +13731,7 @@
               </a:rPr>
               <a:t>Servidor Back-End</a:t>
             </a:r>
-            <a:endParaRPr kumimoji="0" lang="es-CO" altLang="es-CO" sz="1100" b="0" i="0" u="none" strike="noStrike" cap="none" normalizeH="0" baseline="0" smtClean="0">
+            <a:endParaRPr kumimoji="0" lang="es-CO" altLang="es-CO" sz="1100" b="0" i="0" u="none" strike="noStrike" cap="none" normalizeH="0" baseline="0">
               <a:ln>
                 <a:noFill/>
               </a:ln>
@@ -13803,7 +13759,7 @@
               <a:tabLst/>
             </a:pPr>
             <a:r>
-              <a:rPr kumimoji="0" lang="es-CO" altLang="es-CO" sz="1100" b="0" i="0" u="none" strike="noStrike" cap="none" normalizeH="0" baseline="0" smtClean="0">
+              <a:rPr kumimoji="0" lang="es-CO" altLang="es-CO" sz="1100" b="0" i="0" u="none" strike="noStrike" cap="none" normalizeH="0" baseline="0">
                 <a:ln>
                   <a:noFill/>
                 </a:ln>
@@ -13817,7 +13773,7 @@
               </a:rPr>
               <a:t>Server de Apache </a:t>
             </a:r>
-            <a:endParaRPr kumimoji="0" lang="es-CO" altLang="es-CO" sz="1100" b="0" i="0" u="none" strike="noStrike" cap="none" normalizeH="0" baseline="0" smtClean="0">
+            <a:endParaRPr kumimoji="0" lang="es-CO" altLang="es-CO" sz="1100" b="0" i="0" u="none" strike="noStrike" cap="none" normalizeH="0" baseline="0">
               <a:ln>
                 <a:noFill/>
               </a:ln>
@@ -13845,7 +13801,7 @@
               <a:tabLst/>
             </a:pPr>
             <a:r>
-              <a:rPr kumimoji="0" lang="es-CO" altLang="es-CO" sz="1100" b="0" i="0" u="none" strike="noStrike" cap="none" normalizeH="0" baseline="0" smtClean="0">
+              <a:rPr kumimoji="0" lang="es-CO" altLang="es-CO" sz="1100" b="0" i="0" u="none" strike="noStrike" cap="none" normalizeH="0" baseline="0">
                 <a:ln>
                   <a:noFill/>
                 </a:ln>
@@ -13860,7 +13816,7 @@
               <a:t>Hosting Para alojar </a:t>
             </a:r>
             <a:r>
-              <a:rPr kumimoji="0" lang="es-CO" altLang="es-CO" sz="1800" b="0" i="0" u="none" strike="noStrike" cap="none" normalizeH="0" baseline="0" smtClean="0">
+              <a:rPr kumimoji="0" lang="es-CO" altLang="es-CO" sz="1800" b="0" i="0" u="none" strike="noStrike" cap="none" normalizeH="0" baseline="0">
                 <a:ln>
                   <a:noFill/>
                 </a:ln>
@@ -13874,7 +13830,7 @@
               </a:rPr>
               <a:t>$65,000 COP Mes.</a:t>
             </a:r>
-            <a:endParaRPr kumimoji="0" lang="es-CO" altLang="es-CO" sz="1800" b="0" i="0" u="none" strike="noStrike" cap="none" normalizeH="0" baseline="0" smtClean="0">
+            <a:endParaRPr kumimoji="0" lang="es-CO" altLang="es-CO" sz="1800" b="0" i="0" u="none" strike="noStrike" cap="none" normalizeH="0" baseline="0">
               <a:ln>
                 <a:noFill/>
               </a:ln>
@@ -13940,7 +13896,7 @@
               <a:tabLst/>
             </a:pPr>
             <a:r>
-              <a:rPr kumimoji="0" lang="es-CO" altLang="es-CO" sz="1100" b="0" i="0" u="none" strike="noStrike" cap="none" normalizeH="0" baseline="0" smtClean="0">
+              <a:rPr kumimoji="0" lang="es-CO" altLang="es-CO" sz="1100" b="0" i="0" u="none" strike="noStrike" cap="none" normalizeH="0" baseline="0">
                 <a:ln>
                   <a:noFill/>
                 </a:ln>
@@ -13954,7 +13910,7 @@
               </a:rPr>
               <a:t>IP: 172.168.10.11</a:t>
             </a:r>
-            <a:endParaRPr kumimoji="0" lang="es-CO" altLang="es-CO" sz="1800" b="0" i="0" u="none" strike="noStrike" cap="none" normalizeH="0" baseline="0" smtClean="0">
+            <a:endParaRPr kumimoji="0" lang="es-CO" altLang="es-CO" sz="1800" b="0" i="0" u="none" strike="noStrike" cap="none" normalizeH="0" baseline="0">
               <a:ln>
                 <a:noFill/>
               </a:ln>
@@ -13977,7 +13933,7 @@
         </p:nvSpPr>
         <p:spPr bwMode="auto">
           <a:xfrm>
-            <a:off x="4774375" y="1795670"/>
+            <a:off x="4855337" y="1698040"/>
             <a:ext cx="1584325" cy="382588"/>
           </a:xfrm>
           <a:prstGeom prst="rect">
@@ -14020,7 +13976,7 @@
               <a:tabLst/>
             </a:pPr>
             <a:r>
-              <a:rPr kumimoji="0" lang="es-CO" altLang="es-CO" sz="1100" b="0" i="0" u="none" strike="noStrike" cap="none" normalizeH="0" baseline="0" smtClean="0">
+              <a:rPr kumimoji="0" lang="es-CO" altLang="es-CO" sz="1100" b="0" i="0" u="none" strike="noStrike" cap="none" normalizeH="0" baseline="0">
                 <a:ln>
                   <a:noFill/>
                 </a:ln>
@@ -14034,7 +13990,7 @@
               </a:rPr>
               <a:t>IP: 172.168.10.10</a:t>
             </a:r>
-            <a:endParaRPr kumimoji="0" lang="es-CO" altLang="es-CO" sz="1800" b="0" i="0" u="none" strike="noStrike" cap="none" normalizeH="0" baseline="0" smtClean="0">
+            <a:endParaRPr kumimoji="0" lang="es-CO" altLang="es-CO" sz="1800" b="0" i="0" u="none" strike="noStrike" cap="none" normalizeH="0" baseline="0">
               <a:ln>
                 <a:noFill/>
               </a:ln>
@@ -14100,7 +14056,7 @@
               <a:tabLst/>
             </a:pPr>
             <a:r>
-              <a:rPr kumimoji="0" lang="es-CO" altLang="es-CO" sz="1100" b="0" i="0" u="none" strike="noStrike" cap="none" normalizeH="0" baseline="0" smtClean="0">
+              <a:rPr kumimoji="0" lang="es-CO" altLang="es-CO" sz="1100" b="0" i="0" u="none" strike="noStrike" cap="none" normalizeH="0" baseline="0">
                 <a:ln>
                   <a:noFill/>
                 </a:ln>
@@ -14114,7 +14070,7 @@
               </a:rPr>
               <a:t>IP: 172.168.10.12</a:t>
             </a:r>
-            <a:endParaRPr kumimoji="0" lang="es-CO" altLang="es-CO" sz="1800" b="0" i="0" u="none" strike="noStrike" cap="none" normalizeH="0" baseline="0" smtClean="0">
+            <a:endParaRPr kumimoji="0" lang="es-CO" altLang="es-CO" sz="1800" b="0" i="0" u="none" strike="noStrike" cap="none" normalizeH="0" baseline="0">
               <a:ln>
                 <a:noFill/>
               </a:ln>
@@ -14331,21 +14287,8 @@
               <a:buNone/>
               <a:tabLst/>
             </a:pPr>
-            <a:r>
-              <a:rPr kumimoji="0" lang="es-CO" altLang="es-CO" sz="1800" b="0" i="0" u="none" strike="noStrike" cap="none" normalizeH="0" baseline="0" smtClean="0">
-                <a:ln>
-                  <a:noFill/>
-                </a:ln>
-                <a:solidFill>
-                  <a:schemeClr val="tx1"/>
-                </a:solidFill>
-                <a:effectLst/>
-                <a:latin typeface="Arial" panose="020B0604020202020204" pitchFamily="34" charset="0"/>
-              </a:rPr>
-              <a:t/>
-            </a:r>
             <a:br>
-              <a:rPr kumimoji="0" lang="es-CO" altLang="es-CO" sz="1800" b="0" i="0" u="none" strike="noStrike" cap="none" normalizeH="0" baseline="0" smtClean="0">
+              <a:rPr kumimoji="0" lang="es-CO" altLang="es-CO" sz="1800" b="0" i="0" u="none" strike="noStrike" cap="none" normalizeH="0" baseline="0">
                 <a:ln>
                   <a:noFill/>
                 </a:ln>
@@ -14356,7 +14299,7 @@
                 <a:latin typeface="Arial" panose="020B0604020202020204" pitchFamily="34" charset="0"/>
               </a:rPr>
             </a:br>
-            <a:endParaRPr kumimoji="0" lang="es-CO" altLang="es-CO" sz="1800" b="0" i="0" u="none" strike="noStrike" cap="none" normalizeH="0" baseline="0" smtClean="0">
+            <a:endParaRPr kumimoji="0" lang="es-CO" altLang="es-CO" sz="1800" b="0" i="0" u="none" strike="noStrike" cap="none" normalizeH="0" baseline="0">
               <a:ln>
                 <a:noFill/>
               </a:ln>
@@ -14384,7 +14327,7 @@
               <a:buNone/>
               <a:tabLst/>
             </a:pPr>
-            <a:endParaRPr kumimoji="0" lang="es-CO" altLang="es-CO" sz="1800" b="0" i="0" u="none" strike="noStrike" cap="none" normalizeH="0" baseline="0" smtClean="0">
+            <a:endParaRPr kumimoji="0" lang="es-CO" altLang="es-CO" sz="1800" b="0" i="0" u="none" strike="noStrike" cap="none" normalizeH="0" baseline="0">
               <a:ln>
                 <a:noFill/>
               </a:ln>
@@ -14472,7 +14415,7 @@
               <a:buNone/>
               <a:tabLst/>
             </a:pPr>
-            <a:endParaRPr kumimoji="0" lang="es-CO" altLang="es-CO" sz="1800" b="0" i="0" u="none" strike="noStrike" cap="none" normalizeH="0" baseline="0" smtClean="0">
+            <a:endParaRPr kumimoji="0" lang="es-CO" altLang="es-CO" sz="1800" b="0" i="0" u="none" strike="noStrike" cap="none" normalizeH="0" baseline="0">
               <a:ln>
                 <a:noFill/>
               </a:ln>
@@ -14500,7 +14443,7 @@
               <a:buNone/>
               <a:tabLst/>
             </a:pPr>
-            <a:endParaRPr kumimoji="0" lang="es-CO" altLang="es-CO" sz="1800" b="0" i="0" u="none" strike="noStrike" cap="none" normalizeH="0" baseline="0" smtClean="0">
+            <a:endParaRPr kumimoji="0" lang="es-CO" altLang="es-CO" sz="1800" b="0" i="0" u="none" strike="noStrike" cap="none" normalizeH="0" baseline="0">
               <a:ln>
                 <a:noFill/>
               </a:ln>
@@ -14716,17 +14659,7 @@
                 <a:latin typeface="Arial" panose="020B0604020202020204" pitchFamily="34" charset="0"/>
                 <a:ea typeface="Times New Roman" panose="02020603050405020304" pitchFamily="18" charset="0"/>
               </a:rPr>
-              <a:t>. Un diagrama simplificado de cómo interactúan se vería </a:t>
-            </a:r>
-            <a:r>
-              <a:rPr lang="es-CO" spc="-5" dirty="0" smtClean="0">
-                <a:solidFill>
-                  <a:srgbClr val="212121"/>
-                </a:solidFill>
-                <a:latin typeface="Arial" panose="020B0604020202020204" pitchFamily="34" charset="0"/>
-                <a:ea typeface="Times New Roman" panose="02020603050405020304" pitchFamily="18" charset="0"/>
-              </a:rPr>
-              <a:t>así.</a:t>
+              <a:t>. Un diagrama simplificado de cómo interactúan se vería así.</a:t>
             </a:r>
             <a:endParaRPr lang="es-CO" dirty="0">
               <a:latin typeface="Times New Roman" panose="02020603050405020304" pitchFamily="18" charset="0"/>
@@ -14964,16 +14897,6 @@
               </a:tabLst>
             </a:pPr>
             <a:r>
-              <a:rPr lang="es-CO" spc="-5" dirty="0" smtClean="0">
-                <a:solidFill>
-                  <a:srgbClr val="212121"/>
-                </a:solidFill>
-                <a:ea typeface="Times New Roman" panose="02020603050405020304" pitchFamily="18" charset="0"/>
-                <a:cs typeface="Times New Roman" panose="02020603050405020304" pitchFamily="18" charset="0"/>
-              </a:rPr>
-              <a:t>El </a:t>
-            </a:r>
-            <a:r>
               <a:rPr lang="es-CO" spc="-5" dirty="0">
                 <a:solidFill>
                   <a:srgbClr val="212121"/>
@@ -14981,7 +14904,7 @@
                 <a:ea typeface="Times New Roman" panose="02020603050405020304" pitchFamily="18" charset="0"/>
                 <a:cs typeface="Times New Roman" panose="02020603050405020304" pitchFamily="18" charset="0"/>
               </a:rPr>
-              <a:t>navegador va al servidor DNS y encuentra la dirección real del servidor donde el sitio web vive (encontrar la dirección de la tienda).</a:t>
+              <a:t>El navegador va al servidor DNS y encuentra la dirección real del servidor donde el sitio web vive (encontrar la dirección de la tienda).</a:t>
             </a:r>
             <a:endParaRPr lang="es-CO" sz="1600" dirty="0">
               <a:solidFill>
@@ -15252,11 +15175,7 @@
             </a:pPr>
             <a:r>
               <a:rPr lang="es-MX" sz="2000" dirty="0"/>
-              <a:t>un servidor web es un sistema que recibe peticiones (requests) desde múltiples equipos de clientes conectados en la red local o en internet. Esas peticiones son generadas por medio de un programa llamado </a:t>
-            </a:r>
-            <a:r>
-              <a:rPr lang="es-MX" sz="2000" dirty="0" smtClean="0"/>
-              <a:t>Navegador. </a:t>
+              <a:t>un servidor web es un sistema que recibe peticiones (requests) desde múltiples equipos de clientes conectados en la red local o en internet. Esas peticiones son generadas por medio de un programa llamado Navegador. </a:t>
             </a:r>
           </a:p>
           <a:p>
@@ -15269,12 +15188,8 @@
               </a:spcAft>
             </a:pPr>
             <a:r>
-              <a:rPr lang="es-MX" sz="2000" dirty="0" smtClean="0"/>
-              <a:t>El </a:t>
-            </a:r>
-            <a:r>
               <a:rPr lang="es-MX" sz="2000" dirty="0"/>
-              <a:t>servidor web responde a estas peticiones sirviendo o entregando la información que solicitan en un formato que entienden para que estos clientes puedan utilizar esa información y mostrarla al usuario final. </a:t>
+              <a:t>El servidor web responde a estas peticiones sirviendo o entregando la información que solicitan en un formato que entienden para que estos clientes puedan utilizar esa información y mostrarla al usuario final. </a:t>
             </a:r>
             <a:endParaRPr lang="es-CO" dirty="0">
               <a:effectLst/>
@@ -15465,7 +15380,7 @@
               <a:buChar char="•"/>
             </a:pPr>
             <a:r>
-              <a:rPr lang="es-MX" sz="2400" dirty="0" smtClean="0">
+              <a:rPr lang="es-MX" sz="2400" dirty="0">
                 <a:solidFill>
                   <a:srgbClr val="000000"/>
                 </a:solidFill>
@@ -15487,16 +15402,6 @@
               <a:buChar char="•"/>
             </a:pPr>
             <a:r>
-              <a:rPr lang="es-MX" sz="2400" dirty="0" smtClean="0">
-                <a:solidFill>
-                  <a:srgbClr val="000000"/>
-                </a:solidFill>
-                <a:ea typeface="Calibri" panose="020F0502020204030204" pitchFamily="34" charset="0"/>
-                <a:cs typeface="Times New Roman" panose="02020603050405020304" pitchFamily="18" charset="0"/>
-              </a:rPr>
-              <a:t>Puede </a:t>
-            </a:r>
-            <a:r>
               <a:rPr lang="es-MX" sz="2400" dirty="0">
                 <a:solidFill>
                   <a:srgbClr val="000000"/>
@@ -15504,7 +15409,7 @@
                 <a:ea typeface="Calibri" panose="020F0502020204030204" pitchFamily="34" charset="0"/>
                 <a:cs typeface="Times New Roman" panose="02020603050405020304" pitchFamily="18" charset="0"/>
               </a:rPr>
-              <a:t>realizar autentificación de datos utilizando SGDB.</a:t>
+              <a:t>Puede realizar autentificación de datos utilizando SGDB.</a:t>
             </a:r>
           </a:p>
           <a:p>
@@ -15519,16 +15424,6 @@
               <a:buChar char="•"/>
             </a:pPr>
             <a:r>
-              <a:rPr lang="es-MX" sz="2400" dirty="0" smtClean="0">
-                <a:solidFill>
-                  <a:srgbClr val="000000"/>
-                </a:solidFill>
-                <a:ea typeface="Calibri" panose="020F0502020204030204" pitchFamily="34" charset="0"/>
-                <a:cs typeface="Times New Roman" panose="02020603050405020304" pitchFamily="18" charset="0"/>
-              </a:rPr>
-              <a:t>Es </a:t>
-            </a:r>
-            <a:r>
               <a:rPr lang="es-MX" sz="2400" dirty="0">
                 <a:solidFill>
                   <a:srgbClr val="000000"/>
@@ -15536,7 +15431,7 @@
                 <a:ea typeface="Calibri" panose="020F0502020204030204" pitchFamily="34" charset="0"/>
                 <a:cs typeface="Times New Roman" panose="02020603050405020304" pitchFamily="18" charset="0"/>
               </a:rPr>
-              <a:t>gratuito y de código abierto.</a:t>
+              <a:t>Es gratuito y de código abierto.</a:t>
             </a:r>
           </a:p>
           <a:p>
@@ -15551,16 +15446,6 @@
               <a:buChar char="•"/>
             </a:pPr>
             <a:r>
-              <a:rPr lang="es-MX" sz="2400" dirty="0" smtClean="0">
-                <a:solidFill>
-                  <a:srgbClr val="000000"/>
-                </a:solidFill>
-                <a:ea typeface="Calibri" panose="020F0502020204030204" pitchFamily="34" charset="0"/>
-                <a:cs typeface="Times New Roman" panose="02020603050405020304" pitchFamily="18" charset="0"/>
-              </a:rPr>
-              <a:t>Instalación </a:t>
-            </a:r>
-            <a:r>
               <a:rPr lang="es-MX" sz="2400" dirty="0">
                 <a:solidFill>
                   <a:srgbClr val="000000"/>
@@ -15568,17 +15453,7 @@
                 <a:ea typeface="Calibri" panose="020F0502020204030204" pitchFamily="34" charset="0"/>
                 <a:cs typeface="Times New Roman" panose="02020603050405020304" pitchFamily="18" charset="0"/>
               </a:rPr>
-              <a:t>y configuración sencilla</a:t>
-            </a:r>
-            <a:r>
-              <a:rPr lang="es-MX" sz="2400" dirty="0" smtClean="0">
-                <a:solidFill>
-                  <a:srgbClr val="000000"/>
-                </a:solidFill>
-                <a:ea typeface="Calibri" panose="020F0502020204030204" pitchFamily="34" charset="0"/>
-                <a:cs typeface="Times New Roman" panose="02020603050405020304" pitchFamily="18" charset="0"/>
-              </a:rPr>
-              <a:t>.</a:t>
+              <a:t>Instalación y configuración sencilla.</a:t>
             </a:r>
           </a:p>
           <a:p>
@@ -15593,7 +15468,7 @@
               <a:buChar char="•"/>
             </a:pPr>
             <a:r>
-              <a:rPr lang="es-MX" sz="2400" dirty="0" smtClean="0">
+              <a:rPr lang="es-MX" sz="2400" dirty="0">
                 <a:solidFill>
                   <a:srgbClr val="000000"/>
                 </a:solidFill>
@@ -15746,12 +15621,8 @@
           <a:lstStyle/>
           <a:p>
             <a:r>
-              <a:rPr lang="es-MX" sz="3200" dirty="0" smtClean="0"/>
-              <a:t>4. </a:t>
-            </a:r>
-            <a:r>
               <a:rPr lang="es-MX" sz="3200" dirty="0"/>
-              <a:t>¿Cuáles son las características que ustedes consideran relevantes en IIS?</a:t>
+              <a:t>4. ¿Cuáles son las características que ustedes consideran relevantes en IIS?</a:t>
             </a:r>
             <a:endParaRPr lang="es-CO" sz="3200" dirty="0"/>
           </a:p>
@@ -15789,16 +15660,6 @@
               <a:buChar char="•"/>
             </a:pPr>
             <a:r>
-              <a:rPr lang="es-MX" sz="2400" dirty="0" smtClean="0">
-                <a:solidFill>
-                  <a:srgbClr val="000000"/>
-                </a:solidFill>
-                <a:ea typeface="Calibri" panose="020F0502020204030204" pitchFamily="34" charset="0"/>
-                <a:cs typeface="Times New Roman" panose="02020603050405020304" pitchFamily="18" charset="0"/>
-              </a:rPr>
-              <a:t>Que </a:t>
-            </a:r>
-            <a:r>
               <a:rPr lang="es-MX" sz="2400" dirty="0">
                 <a:solidFill>
                   <a:srgbClr val="000000"/>
@@ -15806,25 +15667,8 @@
                 <a:ea typeface="Calibri" panose="020F0502020204030204" pitchFamily="34" charset="0"/>
                 <a:cs typeface="Times New Roman" panose="02020603050405020304" pitchFamily="18" charset="0"/>
               </a:rPr>
-              <a:t>ofrece sensibles mejoras de las prestaciones, disminuyendo los tiempos de respuesta en la </a:t>
+              <a:t>Que ofrece sensibles mejoras de las prestaciones, disminuyendo los tiempos de respuesta en la transmisión.</a:t>
             </a:r>
-            <a:r>
-              <a:rPr lang="es-MX" sz="2400" dirty="0" smtClean="0">
-                <a:solidFill>
-                  <a:srgbClr val="000000"/>
-                </a:solidFill>
-                <a:ea typeface="Calibri" panose="020F0502020204030204" pitchFamily="34" charset="0"/>
-                <a:cs typeface="Times New Roman" panose="02020603050405020304" pitchFamily="18" charset="0"/>
-              </a:rPr>
-              <a:t>transmisión.</a:t>
-            </a:r>
-            <a:endParaRPr lang="es-MX" sz="2400" dirty="0">
-              <a:solidFill>
-                <a:srgbClr val="000000"/>
-              </a:solidFill>
-              <a:ea typeface="Calibri" panose="020F0502020204030204" pitchFamily="34" charset="0"/>
-              <a:cs typeface="Times New Roman" panose="02020603050405020304" pitchFamily="18" charset="0"/>
-            </a:endParaRPr>
           </a:p>
           <a:p>
             <a:pPr marL="342900" indent="-342900">
@@ -15845,57 +15689,7 @@
                 <a:ea typeface="Calibri" panose="020F0502020204030204" pitchFamily="34" charset="0"/>
                 <a:cs typeface="Times New Roman" panose="02020603050405020304" pitchFamily="18" charset="0"/>
               </a:rPr>
-              <a:t>C</a:t>
-            </a:r>
-            <a:r>
-              <a:rPr lang="es-MX" sz="2400" dirty="0" smtClean="0">
-                <a:solidFill>
-                  <a:srgbClr val="000000"/>
-                </a:solidFill>
-                <a:ea typeface="Calibri" panose="020F0502020204030204" pitchFamily="34" charset="0"/>
-                <a:cs typeface="Times New Roman" panose="02020603050405020304" pitchFamily="18" charset="0"/>
-              </a:rPr>
-              <a:t>aracterísticas </a:t>
-            </a:r>
-            <a:r>
-              <a:rPr lang="es-MX" sz="2400" dirty="0">
-                <a:solidFill>
-                  <a:srgbClr val="000000"/>
-                </a:solidFill>
-                <a:ea typeface="Calibri" panose="020F0502020204030204" pitchFamily="34" charset="0"/>
-                <a:cs typeface="Times New Roman" panose="02020603050405020304" pitchFamily="18" charset="0"/>
-              </a:rPr>
-              <a:t>de arquitectura completamente </a:t>
-            </a:r>
-            <a:r>
-              <a:rPr lang="es-MX" sz="2400" dirty="0" smtClean="0">
-                <a:solidFill>
-                  <a:srgbClr val="000000"/>
-                </a:solidFill>
-                <a:ea typeface="Calibri" panose="020F0502020204030204" pitchFamily="34" charset="0"/>
-                <a:cs typeface="Times New Roman" panose="02020603050405020304" pitchFamily="18" charset="0"/>
-              </a:rPr>
-              <a:t>renovadas </a:t>
-            </a:r>
-            <a:r>
-              <a:rPr lang="es-MX" sz="2400" dirty="0">
-                <a:solidFill>
-                  <a:srgbClr val="000000"/>
-                </a:solidFill>
-                <a:ea typeface="Calibri" panose="020F0502020204030204" pitchFamily="34" charset="0"/>
-                <a:cs typeface="Times New Roman" panose="02020603050405020304" pitchFamily="18" charset="0"/>
-              </a:rPr>
-              <a:t>respecto a las versiones precedentes</a:t>
-            </a:r>
-            <a:r>
-              <a:rPr lang="es-MX" sz="2400" dirty="0" smtClean="0">
-                <a:solidFill>
-                  <a:srgbClr val="000000"/>
-                </a:solidFill>
-                <a:ea typeface="Calibri" panose="020F0502020204030204" pitchFamily="34" charset="0"/>
-                <a:cs typeface="Times New Roman" panose="02020603050405020304" pitchFamily="18" charset="0"/>
-              </a:rPr>
-              <a:t>.</a:t>
+              <a:t>Características de arquitectura completamente renovadas respecto a las versiones precedentes.</a:t>
             </a:r>
           </a:p>
           <a:p>
@@ -15917,35 +15711,8 @@
                 <a:ea typeface="Calibri" panose="020F0502020204030204" pitchFamily="34" charset="0"/>
                 <a:cs typeface="Times New Roman" panose="02020603050405020304" pitchFamily="18" charset="0"/>
               </a:rPr>
-              <a:t>Identificación del nombre del </a:t>
+              <a:t>Identificación del nombre del servidor permitirá una mayor densidad de sitios web seguros en un mismo servidor Windows.</a:t>
             </a:r>
-            <a:r>
-              <a:rPr lang="es-MX" sz="2400" dirty="0" smtClean="0">
-                <a:solidFill>
-                  <a:srgbClr val="000000"/>
-                </a:solidFill>
-                <a:ea typeface="Calibri" panose="020F0502020204030204" pitchFamily="34" charset="0"/>
-                <a:cs typeface="Times New Roman" panose="02020603050405020304" pitchFamily="18" charset="0"/>
-              </a:rPr>
-              <a:t>servidor permitirá una mayor </a:t>
-            </a:r>
-            <a:r>
-              <a:rPr lang="es-MX" sz="2400" dirty="0">
-                <a:solidFill>
-                  <a:srgbClr val="000000"/>
-                </a:solidFill>
-                <a:ea typeface="Calibri" panose="020F0502020204030204" pitchFamily="34" charset="0"/>
-                <a:cs typeface="Times New Roman" panose="02020603050405020304" pitchFamily="18" charset="0"/>
-              </a:rPr>
-              <a:t>densidad de sitios web seguros en un mismo servidor Windows.</a:t>
-            </a:r>
-            <a:endParaRPr lang="es-MX" sz="2400" dirty="0" smtClean="0">
-              <a:solidFill>
-                <a:srgbClr val="000000"/>
-              </a:solidFill>
-              <a:ea typeface="Calibri" panose="020F0502020204030204" pitchFamily="34" charset="0"/>
-              <a:cs typeface="Times New Roman" panose="02020603050405020304" pitchFamily="18" charset="0"/>
-            </a:endParaRPr>
           </a:p>
           <a:p>
             <a:pPr marL="342900" indent="-342900">
@@ -15966,25 +15733,8 @@
                 <a:ea typeface="Calibri" panose="020F0502020204030204" pitchFamily="34" charset="0"/>
                 <a:cs typeface="Times New Roman" panose="02020603050405020304" pitchFamily="18" charset="0"/>
               </a:rPr>
-              <a:t>Limitación de CPU desde |IS. Es posible limitar la CPU, memoria y consumo de ancho de banda </a:t>
+              <a:t>Limitación de CPU desde |IS. Es posible limitar la CPU, memoria y consumo de ancho de banda con</a:t>
             </a:r>
-            <a:r>
-              <a:rPr lang="es-MX" sz="2400" dirty="0" smtClean="0">
-                <a:solidFill>
-                  <a:srgbClr val="000000"/>
-                </a:solidFill>
-                <a:ea typeface="Calibri" panose="020F0502020204030204" pitchFamily="34" charset="0"/>
-                <a:cs typeface="Times New Roman" panose="02020603050405020304" pitchFamily="18" charset="0"/>
-              </a:rPr>
-              <a:t>con</a:t>
-            </a:r>
-            <a:endParaRPr lang="es-MX" sz="2400" dirty="0">
-              <a:solidFill>
-                <a:srgbClr val="000000"/>
-              </a:solidFill>
-              <a:ea typeface="Calibri" panose="020F0502020204030204" pitchFamily="34" charset="0"/>
-              <a:cs typeface="Times New Roman" panose="02020603050405020304" pitchFamily="18" charset="0"/>
-            </a:endParaRPr>
           </a:p>
         </p:txBody>
       </p:sp>
@@ -16048,11 +15798,7 @@
           <a:p>
             <a:r>
               <a:rPr lang="es-MX" sz="3200" dirty="0"/>
-              <a:t>5</a:t>
-            </a:r>
-            <a:r>
-              <a:rPr lang="es-MX" sz="3200" dirty="0" smtClean="0"/>
-              <a:t>. </a:t>
+              <a:t>5. </a:t>
             </a:r>
             <a:r>
               <a:rPr lang="es-CO" sz="3200" dirty="0"/>
@@ -16093,16 +15839,6 @@
               <a:buChar char="•"/>
             </a:pPr>
             <a:r>
-              <a:rPr lang="es-MX" sz="2400" dirty="0" smtClean="0">
-                <a:solidFill>
-                  <a:srgbClr val="000000"/>
-                </a:solidFill>
-                <a:ea typeface="Calibri" panose="020F0502020204030204" pitchFamily="34" charset="0"/>
-                <a:cs typeface="Times New Roman" panose="02020603050405020304" pitchFamily="18" charset="0"/>
-              </a:rPr>
-              <a:t>Permite </a:t>
-            </a:r>
-            <a:r>
               <a:rPr lang="es-MX" sz="2400" dirty="0">
                 <a:solidFill>
                   <a:srgbClr val="000000"/>
@@ -16110,123 +15846,8 @@
                 <a:ea typeface="Calibri" panose="020F0502020204030204" pitchFamily="34" charset="0"/>
                 <a:cs typeface="Times New Roman" panose="02020603050405020304" pitchFamily="18" charset="0"/>
               </a:rPr>
-              <a:t>hosts virtuales, así como basados en </a:t>
+              <a:t>Permite hosts virtuales, así como basados en IPS.</a:t>
             </a:r>
-            <a:r>
-              <a:rPr lang="es-MX" sz="2400" dirty="0" smtClean="0">
-                <a:solidFill>
-                  <a:srgbClr val="000000"/>
-                </a:solidFill>
-                <a:ea typeface="Calibri" panose="020F0502020204030204" pitchFamily="34" charset="0"/>
-                <a:cs typeface="Times New Roman" panose="02020603050405020304" pitchFamily="18" charset="0"/>
-              </a:rPr>
-              <a:t>IPS.</a:t>
-            </a:r>
-            <a:endParaRPr lang="es-MX" sz="2400" dirty="0">
-              <a:solidFill>
-                <a:srgbClr val="000000"/>
-              </a:solidFill>
-              <a:ea typeface="Calibri" panose="020F0502020204030204" pitchFamily="34" charset="0"/>
-              <a:cs typeface="Times New Roman" panose="02020603050405020304" pitchFamily="18" charset="0"/>
-            </a:endParaRPr>
-          </a:p>
-          <a:p>
-            <a:pPr marL="342900" indent="-342900">
-              <a:lnSpc>
-                <a:spcPct val="107000"/>
-              </a:lnSpc>
-              <a:spcAft>
-                <a:spcPts val="0"/>
-              </a:spcAft>
-              <a:buFont typeface="Arial" panose="020B0604020202020204" pitchFamily="34" charset="0"/>
-              <a:buChar char="•"/>
-            </a:pPr>
-            <a:r>
-              <a:rPr lang="es-MX" sz="2400" dirty="0" smtClean="0">
-                <a:solidFill>
-                  <a:srgbClr val="000000"/>
-                </a:solidFill>
-                <a:ea typeface="Calibri" panose="020F0502020204030204" pitchFamily="34" charset="0"/>
-                <a:cs typeface="Times New Roman" panose="02020603050405020304" pitchFamily="18" charset="0"/>
-              </a:rPr>
-              <a:t>Balanceo </a:t>
-            </a:r>
-            <a:r>
-              <a:rPr lang="es-MX" sz="2400" dirty="0">
-                <a:solidFill>
-                  <a:srgbClr val="000000"/>
-                </a:solidFill>
-                <a:ea typeface="Calibri" panose="020F0502020204030204" pitchFamily="34" charset="0"/>
-                <a:cs typeface="Times New Roman" panose="02020603050405020304" pitchFamily="18" charset="0"/>
-              </a:rPr>
-              <a:t>de carga </a:t>
-            </a:r>
-            <a:r>
-              <a:rPr lang="es-MX" sz="2400" dirty="0" smtClean="0">
-                <a:solidFill>
-                  <a:srgbClr val="000000"/>
-                </a:solidFill>
-                <a:ea typeface="Calibri" panose="020F0502020204030204" pitchFamily="34" charset="0"/>
-                <a:cs typeface="Times New Roman" panose="02020603050405020304" pitchFamily="18" charset="0"/>
-              </a:rPr>
-              <a:t>inteligente.</a:t>
-            </a:r>
-            <a:endParaRPr lang="es-MX" sz="2400" dirty="0">
-              <a:solidFill>
-                <a:srgbClr val="000000"/>
-              </a:solidFill>
-              <a:ea typeface="Calibri" panose="020F0502020204030204" pitchFamily="34" charset="0"/>
-              <a:cs typeface="Times New Roman" panose="02020603050405020304" pitchFamily="18" charset="0"/>
-            </a:endParaRPr>
-          </a:p>
-          <a:p>
-            <a:pPr marL="342900" indent="-342900">
-              <a:lnSpc>
-                <a:spcPct val="107000"/>
-              </a:lnSpc>
-              <a:spcAft>
-                <a:spcPts val="0"/>
-              </a:spcAft>
-              <a:buFont typeface="Arial" panose="020B0604020202020204" pitchFamily="34" charset="0"/>
-              <a:buChar char="•"/>
-            </a:pPr>
-            <a:r>
-              <a:rPr lang="es-MX" sz="2400" dirty="0" smtClean="0">
-                <a:solidFill>
-                  <a:srgbClr val="000000"/>
-                </a:solidFill>
-                <a:ea typeface="Calibri" panose="020F0502020204030204" pitchFamily="34" charset="0"/>
-                <a:cs typeface="Times New Roman" panose="02020603050405020304" pitchFamily="18" charset="0"/>
-              </a:rPr>
-              <a:t>Tolerante </a:t>
-            </a:r>
-            <a:r>
-              <a:rPr lang="es-MX" sz="2400" dirty="0">
-                <a:solidFill>
-                  <a:srgbClr val="000000"/>
-                </a:solidFill>
-                <a:ea typeface="Calibri" panose="020F0502020204030204" pitchFamily="34" charset="0"/>
-                <a:cs typeface="Times New Roman" panose="02020603050405020304" pitchFamily="18" charset="0"/>
-              </a:rPr>
-              <a:t>ante </a:t>
-            </a:r>
-            <a:r>
-              <a:rPr lang="es-MX" sz="2400" dirty="0" smtClean="0">
-                <a:solidFill>
-                  <a:srgbClr val="000000"/>
-                </a:solidFill>
-                <a:ea typeface="Calibri" panose="020F0502020204030204" pitchFamily="34" charset="0"/>
-                <a:cs typeface="Times New Roman" panose="02020603050405020304" pitchFamily="18" charset="0"/>
-              </a:rPr>
-              <a:t>fallos.</a:t>
-            </a:r>
-            <a:endParaRPr lang="es-MX" sz="2400" dirty="0">
-              <a:solidFill>
-                <a:srgbClr val="000000"/>
-              </a:solidFill>
-              <a:ea typeface="Calibri" panose="020F0502020204030204" pitchFamily="34" charset="0"/>
-              <a:cs typeface="Times New Roman" panose="02020603050405020304" pitchFamily="18" charset="0"/>
-            </a:endParaRPr>
           </a:p>
           <a:p>
             <a:pPr marL="342900" indent="-342900">
@@ -16247,17 +15868,7 @@
                 <a:ea typeface="Calibri" panose="020F0502020204030204" pitchFamily="34" charset="0"/>
                 <a:cs typeface="Times New Roman" panose="02020603050405020304" pitchFamily="18" charset="0"/>
               </a:rPr>
-              <a:t>Soporte para FastCGl con opciones de caché</a:t>
-            </a:r>
-            <a:r>
-              <a:rPr lang="es-MX" sz="2400" dirty="0" smtClean="0">
-                <a:solidFill>
-                  <a:srgbClr val="000000"/>
-                </a:solidFill>
-                <a:ea typeface="Calibri" panose="020F0502020204030204" pitchFamily="34" charset="0"/>
-                <a:cs typeface="Times New Roman" panose="02020603050405020304" pitchFamily="18" charset="0"/>
-              </a:rPr>
-              <a:t>.</a:t>
+              <a:t>Balanceo de carga inteligente.</a:t>
             </a:r>
           </a:p>
           <a:p>
@@ -16272,15 +15883,27 @@
               <a:buChar char="•"/>
             </a:pPr>
             <a:r>
-              <a:rPr lang="es-MX" sz="2400" dirty="0" smtClean="0">
+              <a:rPr lang="es-MX" sz="2400" dirty="0">
                 <a:solidFill>
                   <a:srgbClr val="000000"/>
                 </a:solidFill>
                 <a:ea typeface="Calibri" panose="020F0502020204030204" pitchFamily="34" charset="0"/>
                 <a:cs typeface="Times New Roman" panose="02020603050405020304" pitchFamily="18" charset="0"/>
               </a:rPr>
-              <a:t>Streaming </a:t>
+              <a:t>Tolerante ante fallos.</a:t>
             </a:r>
+          </a:p>
+          <a:p>
+            <a:pPr marL="342900" indent="-342900">
+              <a:lnSpc>
+                <a:spcPct val="107000"/>
+              </a:lnSpc>
+              <a:spcAft>
+                <a:spcPts val="0"/>
+              </a:spcAft>
+              <a:buFont typeface="Arial" panose="020B0604020202020204" pitchFamily="34" charset="0"/>
+              <a:buChar char="•"/>
+            </a:pPr>
             <a:r>
               <a:rPr lang="es-MX" sz="2400" dirty="0">
                 <a:solidFill>
@@ -16289,7 +15912,29 @@
                 <a:ea typeface="Calibri" panose="020F0502020204030204" pitchFamily="34" charset="0"/>
                 <a:cs typeface="Times New Roman" panose="02020603050405020304" pitchFamily="18" charset="0"/>
               </a:rPr>
-              <a:t>de archivos FLV y MP4.8.</a:t>
+              <a:t>Soporte para FastCGl con opciones de caché.</a:t>
+            </a:r>
+          </a:p>
+          <a:p>
+            <a:pPr marL="342900" indent="-342900">
+              <a:lnSpc>
+                <a:spcPct val="107000"/>
+              </a:lnSpc>
+              <a:spcAft>
+                <a:spcPts val="0"/>
+              </a:spcAft>
+              <a:buFont typeface="Arial" panose="020B0604020202020204" pitchFamily="34" charset="0"/>
+              <a:buChar char="•"/>
+            </a:pPr>
+            <a:r>
+              <a:rPr lang="es-MX" sz="2400" dirty="0">
+                <a:solidFill>
+                  <a:srgbClr val="000000"/>
+                </a:solidFill>
+                <a:ea typeface="Calibri" panose="020F0502020204030204" pitchFamily="34" charset="0"/>
+                <a:cs typeface="Times New Roman" panose="02020603050405020304" pitchFamily="18" charset="0"/>
+              </a:rPr>
+              <a:t>Streaming de archivos FLV y MP4.8.</a:t>
             </a:r>
           </a:p>
         </p:txBody>
@@ -16395,20 +16040,129 @@
           <a:p>
             <a:r>
               <a:rPr lang="es-MX" sz="3200" dirty="0"/>
-              <a:t>6</a:t>
-            </a:r>
-            <a:r>
-              <a:rPr lang="es-MX" sz="3200" dirty="0" smtClean="0"/>
-              <a:t>. </a:t>
-            </a:r>
-            <a:r>
-              <a:rPr lang="es-MX" sz="3200" dirty="0"/>
-              <a:t>¿Qué hace falta para elegir la cantidad de memoria RAM para un servidor web?</a:t>
+              <a:t>6. ¿Qué hace falta para elegir la cantidad de memoria RAM para un servidor web?</a:t>
             </a:r>
             <a:endParaRPr lang="es-CO" sz="3200" dirty="0"/>
           </a:p>
         </p:txBody>
       </p:sp>
+      <p:pic>
+        <p:nvPicPr>
+          <p:cNvPr id="4" name="Imagen 3" descr="Interfaz de usuario gráfica, Texto, Aplicación&#10;&#10;Descripción generada automáticamente">
+            <a:extLst>
+              <a:ext uri="{FF2B5EF4-FFF2-40B4-BE49-F238E27FC236}">
+                <a16:creationId xmlns:a16="http://schemas.microsoft.com/office/drawing/2014/main" id="{7A2D56F5-2B21-42A2-AEB5-EF8E34DBF036}"/>
+              </a:ext>
+            </a:extLst>
+          </p:cNvPr>
+          <p:cNvPicPr>
+            <a:picLocks noChangeAspect="1"/>
+          </p:cNvPicPr>
+          <p:nvPr/>
+        </p:nvPicPr>
+        <p:blipFill>
+          <a:blip r:embed="rId2">
+            <a:extLst>
+              <a:ext uri="{28A0092B-C50C-407E-A947-70E740481C1C}">
+                <a14:useLocalDpi xmlns:a14="http://schemas.microsoft.com/office/drawing/2010/main" val="0"/>
+              </a:ext>
+            </a:extLst>
+          </a:blip>
+          <a:stretch>
+            <a:fillRect/>
+          </a:stretch>
+        </p:blipFill>
+        <p:spPr>
+          <a:xfrm>
+            <a:off x="2009775" y="3754973"/>
+            <a:ext cx="8172450" cy="1857375"/>
+          </a:xfrm>
+          <a:prstGeom prst="rect">
+            <a:avLst/>
+          </a:prstGeom>
+          <a:ln>
+            <a:noFill/>
+          </a:ln>
+          <a:effectLst>
+            <a:outerShdw blurRad="292100" dist="139700" dir="2700000" algn="tl" rotWithShape="0">
+              <a:srgbClr val="333333">
+                <a:alpha val="65000"/>
+              </a:srgbClr>
+            </a:outerShdw>
+          </a:effectLst>
+        </p:spPr>
+      </p:pic>
+      <p:sp>
+        <p:nvSpPr>
+          <p:cNvPr id="5" name="CuadroTexto 4">
+            <a:extLst>
+              <a:ext uri="{FF2B5EF4-FFF2-40B4-BE49-F238E27FC236}">
+                <a16:creationId xmlns:a16="http://schemas.microsoft.com/office/drawing/2014/main" id="{AC82477E-FF2B-47B8-AA45-B4C6F7FE3DED}"/>
+              </a:ext>
+            </a:extLst>
+          </p:cNvPr>
+          <p:cNvSpPr txBox="1"/>
+          <p:nvPr/>
+        </p:nvSpPr>
+        <p:spPr>
+          <a:xfrm>
+            <a:off x="1046922" y="1908313"/>
+            <a:ext cx="9356035" cy="923330"/>
+          </a:xfrm>
+          <a:prstGeom prst="rect">
+            <a:avLst/>
+          </a:prstGeom>
+          <a:noFill/>
+        </p:spPr>
+        <p:txBody>
+          <a:bodyPr wrap="square" rtlCol="0">
+            <a:spAutoFit/>
+          </a:bodyPr>
+          <a:lstStyle/>
+          <a:p>
+            <a:r>
+              <a:rPr lang="es-CO" dirty="0"/>
+              <a:t>Se debe conocer el número de clientes que van a realizar las peticiones en red, también necesitamos saber el total de consultas a la base de datos, número máximo tamaño de proceso hijo., para lo cual podemos hacer una ecuación, ejemplo: </a:t>
+            </a:r>
+          </a:p>
+        </p:txBody>
+      </p:sp>
+      <p:pic>
+        <p:nvPicPr>
+          <p:cNvPr id="7" name="Imagen 6">
+            <a:extLst>
+              <a:ext uri="{FF2B5EF4-FFF2-40B4-BE49-F238E27FC236}">
+                <a16:creationId xmlns:a16="http://schemas.microsoft.com/office/drawing/2014/main" id="{0BD1F50D-D05A-4516-8A9D-FABCCCD16ED5}"/>
+              </a:ext>
+            </a:extLst>
+          </p:cNvPr>
+          <p:cNvPicPr>
+            <a:picLocks noChangeAspect="1"/>
+          </p:cNvPicPr>
+          <p:nvPr/>
+        </p:nvPicPr>
+        <p:blipFill>
+          <a:blip r:embed="rId3">
+            <a:extLst>
+              <a:ext uri="{28A0092B-C50C-407E-A947-70E740481C1C}">
+                <a14:useLocalDpi xmlns:a14="http://schemas.microsoft.com/office/drawing/2010/main" val="0"/>
+              </a:ext>
+            </a:extLst>
+          </a:blip>
+          <a:stretch>
+            <a:fillRect/>
+          </a:stretch>
+        </p:blipFill>
+        <p:spPr>
+          <a:xfrm>
+            <a:off x="2439523" y="3010689"/>
+            <a:ext cx="7312954" cy="596165"/>
+          </a:xfrm>
+          <a:prstGeom prst="rect">
+            <a:avLst/>
+          </a:prstGeom>
+        </p:spPr>
+      </p:pic>
     </p:spTree>
     <p:extLst>
       <p:ext uri="{BB962C8B-B14F-4D97-AF65-F5344CB8AC3E}">
@@ -16509,12 +16263,8 @@
           <a:lstStyle/>
           <a:p>
             <a:r>
-              <a:rPr lang="es-MX" sz="3200" dirty="0" smtClean="0"/>
-              <a:t>7</a:t>
-            </a:r>
-            <a:r>
               <a:rPr lang="es-MX" sz="3200" dirty="0"/>
-              <a:t>. Explique el concepto de servidor virtual para un servidor web.</a:t>
+              <a:t>7. Explique el concepto de servidor virtual para un servidor web.</a:t>
             </a:r>
             <a:endParaRPr lang="es-CO" sz="3200" dirty="0"/>
           </a:p>
@@ -16552,7 +16302,7 @@
               <a:buChar char="•"/>
             </a:pPr>
             <a:r>
-              <a:rPr lang="es-MX" sz="2400" dirty="0" smtClean="0">
+              <a:rPr lang="es-MX" sz="2400" dirty="0">
                 <a:solidFill>
                   <a:srgbClr val="000000"/>
                 </a:solidFill>
@@ -16581,18 +16331,17 @@
                 <a:ea typeface="Calibri" panose="020F0502020204030204" pitchFamily="34" charset="0"/>
                 <a:cs typeface="Times New Roman" panose="02020603050405020304" pitchFamily="18" charset="0"/>
               </a:rPr>
-              <a:t>Un S</a:t>
+              <a:t>Un Servidor virtual es aquel en el cual dos direcciones URL distintas apuntan hacia un único servidor. Existen dos tipos de servidores virtuales: </a:t>
             </a:r>
-            <a:r>
-              <a:rPr lang="es-MX" sz="2400" dirty="0" smtClean="0">
-                <a:solidFill>
-                  <a:srgbClr val="000000"/>
-                </a:solidFill>
-                <a:ea typeface="Calibri" panose="020F0502020204030204" pitchFamily="34" charset="0"/>
-                <a:cs typeface="Times New Roman" panose="02020603050405020304" pitchFamily="18" charset="0"/>
-              </a:rPr>
-              <a:t>ervidor </a:t>
-            </a:r>
+          </a:p>
+          <a:p>
+            <a:pPr marL="800100" lvl="1" indent="-342900">
+              <a:lnSpc>
+                <a:spcPct val="107000"/>
+              </a:lnSpc>
+              <a:buFont typeface="Arial" panose="020B0604020202020204" pitchFamily="34" charset="0"/>
+              <a:buChar char="•"/>
+            </a:pPr>
             <a:r>
               <a:rPr lang="es-MX" sz="2400" dirty="0">
                 <a:solidFill>
@@ -16601,18 +16350,17 @@
                 <a:ea typeface="Calibri" panose="020F0502020204030204" pitchFamily="34" charset="0"/>
                 <a:cs typeface="Times New Roman" panose="02020603050405020304" pitchFamily="18" charset="0"/>
               </a:rPr>
-              <a:t>virtual </a:t>
+              <a:t>los que tienen una sola IP para todos los dominios que maneja </a:t>
             </a:r>
-            <a:r>
-              <a:rPr lang="es-MX" sz="2400" dirty="0" smtClean="0">
-                <a:solidFill>
-                  <a:srgbClr val="000000"/>
-                </a:solidFill>
-                <a:ea typeface="Calibri" panose="020F0502020204030204" pitchFamily="34" charset="0"/>
-                <a:cs typeface="Times New Roman" panose="02020603050405020304" pitchFamily="18" charset="0"/>
-              </a:rPr>
-              <a:t>es aquel </a:t>
-            </a:r>
+          </a:p>
+          <a:p>
+            <a:pPr marL="800100" lvl="1" indent="-342900">
+              <a:lnSpc>
+                <a:spcPct val="107000"/>
+              </a:lnSpc>
+              <a:buFont typeface="Arial" panose="020B0604020202020204" pitchFamily="34" charset="0"/>
+              <a:buChar char="•"/>
+            </a:pPr>
             <a:r>
               <a:rPr lang="es-MX" sz="2400" dirty="0">
                 <a:solidFill>
@@ -16621,115 +16369,7 @@
                 <a:ea typeface="Calibri" panose="020F0502020204030204" pitchFamily="34" charset="0"/>
                 <a:cs typeface="Times New Roman" panose="02020603050405020304" pitchFamily="18" charset="0"/>
               </a:rPr>
-              <a:t>en el cual dos direcciones URL distintas apuntan hacia un único servidor. </a:t>
-            </a:r>
-            <a:r>
-              <a:rPr lang="es-MX" sz="2400" dirty="0" smtClean="0">
-                <a:solidFill>
-                  <a:srgbClr val="000000"/>
-                </a:solidFill>
-                <a:ea typeface="Calibri" panose="020F0502020204030204" pitchFamily="34" charset="0"/>
-                <a:cs typeface="Times New Roman" panose="02020603050405020304" pitchFamily="18" charset="0"/>
-              </a:rPr>
-              <a:t>Existen </a:t>
-            </a:r>
-            <a:r>
-              <a:rPr lang="es-MX" sz="2400" dirty="0">
-                <a:solidFill>
-                  <a:srgbClr val="000000"/>
-                </a:solidFill>
-                <a:ea typeface="Calibri" panose="020F0502020204030204" pitchFamily="34" charset="0"/>
-                <a:cs typeface="Times New Roman" panose="02020603050405020304" pitchFamily="18" charset="0"/>
-              </a:rPr>
-              <a:t>dos tipos de </a:t>
-            </a:r>
-            <a:r>
-              <a:rPr lang="es-MX" sz="2400" dirty="0" smtClean="0">
-                <a:solidFill>
-                  <a:srgbClr val="000000"/>
-                </a:solidFill>
-                <a:ea typeface="Calibri" panose="020F0502020204030204" pitchFamily="34" charset="0"/>
-                <a:cs typeface="Times New Roman" panose="02020603050405020304" pitchFamily="18" charset="0"/>
-              </a:rPr>
-              <a:t>servidores virtuales: </a:t>
-            </a:r>
-          </a:p>
-          <a:p>
-            <a:pPr marL="800100" lvl="1" indent="-342900">
-              <a:lnSpc>
-                <a:spcPct val="107000"/>
-              </a:lnSpc>
-              <a:buFont typeface="Arial" panose="020B0604020202020204" pitchFamily="34" charset="0"/>
-              <a:buChar char="•"/>
-            </a:pPr>
-            <a:r>
-              <a:rPr lang="es-MX" sz="2400" dirty="0" smtClean="0">
-                <a:solidFill>
-                  <a:srgbClr val="000000"/>
-                </a:solidFill>
-                <a:ea typeface="Calibri" panose="020F0502020204030204" pitchFamily="34" charset="0"/>
-                <a:cs typeface="Times New Roman" panose="02020603050405020304" pitchFamily="18" charset="0"/>
-              </a:rPr>
-              <a:t>los </a:t>
-            </a:r>
-            <a:r>
-              <a:rPr lang="es-MX" sz="2400" dirty="0">
-                <a:solidFill>
-                  <a:srgbClr val="000000"/>
-                </a:solidFill>
-                <a:ea typeface="Calibri" panose="020F0502020204030204" pitchFamily="34" charset="0"/>
-                <a:cs typeface="Times New Roman" panose="02020603050405020304" pitchFamily="18" charset="0"/>
-              </a:rPr>
-              <a:t>que tienen una sola IP para todos los dominios que maneja </a:t>
-            </a:r>
-          </a:p>
-          <a:p>
-            <a:pPr marL="800100" lvl="1" indent="-342900">
-              <a:lnSpc>
-                <a:spcPct val="107000"/>
-              </a:lnSpc>
-              <a:buFont typeface="Arial" panose="020B0604020202020204" pitchFamily="34" charset="0"/>
-              <a:buChar char="•"/>
-            </a:pPr>
-            <a:r>
-              <a:rPr lang="es-MX" sz="2400" dirty="0" smtClean="0">
-                <a:solidFill>
-                  <a:srgbClr val="000000"/>
-                </a:solidFill>
-                <a:ea typeface="Calibri" panose="020F0502020204030204" pitchFamily="34" charset="0"/>
-                <a:cs typeface="Times New Roman" panose="02020603050405020304" pitchFamily="18" charset="0"/>
-              </a:rPr>
-              <a:t>los </a:t>
-            </a:r>
-            <a:r>
-              <a:rPr lang="es-MX" sz="2400" dirty="0">
-                <a:solidFill>
-                  <a:srgbClr val="000000"/>
-                </a:solidFill>
-                <a:ea typeface="Calibri" panose="020F0502020204030204" pitchFamily="34" charset="0"/>
-                <a:cs typeface="Times New Roman" panose="02020603050405020304" pitchFamily="18" charset="0"/>
-              </a:rPr>
-              <a:t>que tienen IP virtuales </a:t>
-            </a:r>
-            <a:r>
-              <a:rPr lang="es-MX" sz="2400" dirty="0" smtClean="0">
-                <a:solidFill>
-                  <a:srgbClr val="000000"/>
-                </a:solidFill>
-                <a:ea typeface="Calibri" panose="020F0502020204030204" pitchFamily="34" charset="0"/>
-                <a:cs typeface="Times New Roman" panose="02020603050405020304" pitchFamily="18" charset="0"/>
-              </a:rPr>
-              <a:t>para cada </a:t>
-            </a:r>
-            <a:r>
-              <a:rPr lang="es-MX" sz="2400" dirty="0">
-                <a:solidFill>
-                  <a:srgbClr val="000000"/>
-                </a:solidFill>
-                <a:ea typeface="Calibri" panose="020F0502020204030204" pitchFamily="34" charset="0"/>
-                <a:cs typeface="Times New Roman" panose="02020603050405020304" pitchFamily="18" charset="0"/>
-              </a:rPr>
-              <a:t>uno de los dominios que maneja.</a:t>
+              <a:t>los que tienen IP virtuales para cada uno de los dominios que maneja.</a:t>
             </a:r>
           </a:p>
         </p:txBody>
